--- a/doc/ToDoApp.pptx
+++ b/doc/ToDoApp.pptx
@@ -29,9 +29,9 @@
     <p:sldId id="299" r:id="rId20"/>
     <p:sldId id="302" r:id="rId21"/>
     <p:sldId id="303" r:id="rId22"/>
-    <p:sldId id="305" r:id="rId23"/>
+    <p:sldId id="307" r:id="rId23"/>
     <p:sldId id="306" r:id="rId24"/>
-    <p:sldId id="307" r:id="rId25"/>
+    <p:sldId id="305" r:id="rId25"/>
     <p:sldId id="309" r:id="rId26"/>
     <p:sldId id="308" r:id="rId27"/>
     <p:sldId id="310" r:id="rId28"/>
@@ -4956,23 +4956,7 @@
             </a:r>
             <a:r>
               <a:rPr lang="ja-JP" altLang="en-US" dirty="0" smtClean="0"/>
-              <a:t>に</a:t>
-            </a:r>
-            <a:r>
-              <a:rPr lang="ja-JP" altLang="en-US" dirty="0" smtClean="0"/>
-              <a:t>応じた</a:t>
-            </a:r>
-            <a:r>
-              <a:rPr lang="ja-JP" altLang="en-US" dirty="0" smtClean="0"/>
-              <a:t>ビュー</a:t>
-            </a:r>
-            <a:r>
-              <a:rPr lang="ja-JP" altLang="en-US" dirty="0" smtClean="0"/>
-              <a:t>を</a:t>
-            </a:r>
-            <a:r>
-              <a:rPr lang="ja-JP" altLang="en-US" dirty="0" smtClean="0"/>
-              <a:t>公開する</a:t>
+              <a:t>に応じたビューを公開する</a:t>
             </a:r>
             <a:endParaRPr kumimoji="1" lang="en-US" altLang="ja-JP" dirty="0" smtClean="0"/>
           </a:p>
@@ -14637,14 +14621,7 @@
                 <a:latin typeface="+mj-ea"/>
                 <a:ea typeface="+mj-ea"/>
               </a:rPr>
-              <a:t>画面</a:t>
-            </a:r>
-            <a:r>
-              <a:rPr kumimoji="1" lang="ja-JP" altLang="en-US" sz="3200" dirty="0" smtClean="0">
-                <a:latin typeface="+mj-ea"/>
-                <a:ea typeface="+mj-ea"/>
-              </a:rPr>
-              <a:t>  </a:t>
+              <a:t>画面  </a:t>
             </a:r>
             <a:r>
               <a:rPr lang="en-US" altLang="ja-JP" dirty="0" smtClean="0">
@@ -17689,8 +17666,8 @@
         </p:nvSpPr>
         <p:spPr>
           <a:xfrm>
-            <a:off x="250824" y="188913"/>
-            <a:ext cx="8209607" cy="584775"/>
+            <a:off x="250825" y="188913"/>
+            <a:ext cx="6342240" cy="584775"/>
           </a:xfrm>
           <a:prstGeom prst="rect">
             <a:avLst/>
@@ -17704,28 +17681,48 @@
           <a:lstStyle/>
           <a:p>
             <a:r>
-              <a:rPr lang="en-US" altLang="ja-JP" sz="3200" dirty="0" smtClean="0">
+              <a:rPr kumimoji="1" lang="en-US" altLang="ja-JP" sz="3200" dirty="0" smtClean="0">
                 <a:latin typeface="+mj-ea"/>
+                <a:ea typeface="+mj-ea"/>
               </a:rPr>
               <a:t>View</a:t>
             </a:r>
             <a:r>
-              <a:rPr lang="ja-JP" altLang="en-US" sz="3200" dirty="0" smtClean="0">
+              <a:rPr kumimoji="1" lang="ja-JP" altLang="en-US" sz="3200" dirty="0" smtClean="0">
                 <a:latin typeface="+mj-ea"/>
-              </a:rPr>
-              <a:t>モード　</a:t>
+                <a:ea typeface="+mj-ea"/>
+              </a:rPr>
+              <a:t>モード</a:t>
+            </a:r>
+            <a:r>
+              <a:rPr lang="ja-JP" altLang="en-US" sz="3200" dirty="0">
+                <a:latin typeface="+mj-ea"/>
+              </a:rPr>
+              <a:t>　</a:t>
             </a:r>
             <a:r>
               <a:rPr lang="ja-JP" altLang="en-US" dirty="0" smtClean="0">
                 <a:latin typeface="+mj-ea"/>
               </a:rPr>
-              <a:t>検索（</a:t>
+              <a:t>重要</a:t>
+            </a:r>
+            <a:r>
+              <a:rPr lang="ja-JP" altLang="en-US" dirty="0" smtClean="0">
+                <a:latin typeface="+mj-ea"/>
+              </a:rPr>
+              <a:t>（</a:t>
             </a:r>
             <a:r>
               <a:rPr lang="en-US" altLang="ja-JP" dirty="0" smtClean="0">
                 <a:latin typeface="+mj-ea"/>
               </a:rPr>
-              <a:t>.Search</a:t>
+              <a:t>.</a:t>
+            </a:r>
+            <a:r>
+              <a:rPr lang="en-US" altLang="ja-JP" dirty="0" smtClean="0">
+                <a:latin typeface="+mj-ea"/>
+              </a:rPr>
+              <a:t>Mark</a:t>
             </a:r>
             <a:r>
               <a:rPr lang="ja-JP" altLang="en-US" dirty="0" smtClean="0">
@@ -17831,9 +17828,57 @@
           </a:p>
         </p:txBody>
       </p:sp>
+      <p:sp>
+        <p:nvSpPr>
+          <p:cNvPr id="13" name="正方形/長方形 12"/>
+          <p:cNvSpPr/>
+          <p:nvPr/>
+        </p:nvSpPr>
+        <p:spPr>
+          <a:xfrm>
+            <a:off x="4372331" y="1772816"/>
+            <a:ext cx="4520149" cy="3744416"/>
+          </a:xfrm>
+          <a:prstGeom prst="rect">
+            <a:avLst/>
+          </a:prstGeom>
+          <a:solidFill>
+            <a:schemeClr val="bg1"/>
+          </a:solidFill>
+          <a:scene3d>
+            <a:camera prst="isometricRightUp">
+              <a:rot lat="1200000" lon="19200000" rev="0"/>
+            </a:camera>
+            <a:lightRig rig="threePt" dir="t"/>
+          </a:scene3d>
+          <a:sp3d z="-381000"/>
+        </p:spPr>
+        <p:style>
+          <a:lnRef idx="2">
+            <a:schemeClr val="accent6"/>
+          </a:lnRef>
+          <a:fillRef idx="1">
+            <a:schemeClr val="lt1"/>
+          </a:fillRef>
+          <a:effectRef idx="0">
+            <a:schemeClr val="accent6"/>
+          </a:effectRef>
+          <a:fontRef idx="minor">
+            <a:schemeClr val="dk1"/>
+          </a:fontRef>
+        </p:style>
+        <p:txBody>
+          <a:bodyPr rtlCol="0" anchor="ctr"/>
+          <a:lstStyle/>
+          <a:p>
+            <a:pPr algn="ctr"/>
+            <a:endParaRPr kumimoji="1" lang="ja-JP" altLang="en-US"/>
+          </a:p>
+        </p:txBody>
+      </p:sp>
       <p:pic>
         <p:nvPicPr>
-          <p:cNvPr id="5122" name="Picture 2"/>
+          <p:cNvPr id="5124" name="Picture 4"/>
           <p:cNvPicPr>
             <a:picLocks noChangeAspect="1" noChangeArrowheads="1"/>
           </p:cNvPicPr>
@@ -17854,8 +17899,8 @@
         </p:blipFill>
         <p:spPr bwMode="auto">
           <a:xfrm>
-            <a:off x="4384505" y="1572135"/>
-            <a:ext cx="4495800" cy="295275"/>
+            <a:off x="4387155" y="1788777"/>
+            <a:ext cx="4505325" cy="2946314"/>
           </a:xfrm>
           <a:prstGeom prst="rect">
             <a:avLst/>
@@ -17904,38 +17949,33 @@
       </p:pic>
       <p:sp>
         <p:nvSpPr>
-          <p:cNvPr id="13" name="正方形/長方形 12"/>
+          <p:cNvPr id="16" name="強調線吹き出し 1 (枠付き) 15"/>
           <p:cNvSpPr/>
           <p:nvPr/>
         </p:nvSpPr>
         <p:spPr>
           <a:xfrm>
-            <a:off x="4372331" y="1772816"/>
-            <a:ext cx="4520149" cy="3744416"/>
-          </a:xfrm>
-          <a:prstGeom prst="rect">
-            <a:avLst/>
-          </a:prstGeom>
-          <a:solidFill>
-            <a:schemeClr val="bg1"/>
-          </a:solidFill>
-          <a:scene3d>
-            <a:camera prst="isometricRightUp">
-              <a:rot lat="1200000" lon="19200000" rev="0"/>
-            </a:camera>
-            <a:lightRig rig="threePt" dir="t"/>
-          </a:scene3d>
-          <a:sp3d z="-381000"/>
+            <a:off x="710975" y="1052736"/>
+            <a:ext cx="3038241" cy="736041"/>
+          </a:xfrm>
+          <a:prstGeom prst="accentBorderCallout1">
+            <a:avLst>
+              <a:gd name="adj1" fmla="val 36755"/>
+              <a:gd name="adj2" fmla="val 106784"/>
+              <a:gd name="adj3" fmla="val 142941"/>
+              <a:gd name="adj4" fmla="val 131940"/>
+            </a:avLst>
+          </a:prstGeom>
         </p:spPr>
         <p:style>
           <a:lnRef idx="2">
-            <a:schemeClr val="accent6"/>
+            <a:schemeClr val="accent3"/>
           </a:lnRef>
           <a:fillRef idx="1">
             <a:schemeClr val="lt1"/>
           </a:fillRef>
           <a:effectRef idx="0">
-            <a:schemeClr val="accent6"/>
+            <a:schemeClr val="accent3"/>
           </a:effectRef>
           <a:fontRef idx="minor">
             <a:schemeClr val="dk1"/>
@@ -17946,13 +17986,260 @@
           <a:lstStyle/>
           <a:p>
             <a:pPr algn="ctr"/>
-            <a:endParaRPr kumimoji="1" lang="ja-JP" altLang="en-US"/>
+            <a:r>
+              <a:rPr lang="en-US" altLang="ja-JP" sz="1600" b="1" dirty="0" err="1">
+                <a:latin typeface="+mn-ea"/>
+              </a:rPr>
+              <a:t>MarkView</a:t>
+            </a:r>
+            <a:endParaRPr lang="en-US" altLang="ja-JP" sz="1600" b="1" dirty="0">
+              <a:latin typeface="+mn-ea"/>
+            </a:endParaRPr>
+          </a:p>
+          <a:p>
+            <a:pPr algn="ctr"/>
+            <a:r>
+              <a:rPr lang="en-US" altLang="ja-JP" sz="1400" dirty="0" err="1" smtClean="0">
+                <a:solidFill>
+                  <a:schemeClr val="bg1">
+                    <a:lumMod val="75000"/>
+                  </a:schemeClr>
+                </a:solidFill>
+                <a:latin typeface="+mn-ea"/>
+              </a:rPr>
+              <a:t>TopLayoutGuide</a:t>
+            </a:r>
+            <a:r>
+              <a:rPr lang="en-US" altLang="ja-JP" sz="1400" dirty="0" smtClean="0">
+                <a:solidFill>
+                  <a:schemeClr val="bg1">
+                    <a:lumMod val="75000"/>
+                  </a:schemeClr>
+                </a:solidFill>
+                <a:latin typeface="+mn-ea"/>
+              </a:rPr>
+              <a:t> distance=0</a:t>
+            </a:r>
+          </a:p>
+          <a:p>
+            <a:pPr algn="ctr"/>
+            <a:r>
+              <a:rPr lang="en-US" altLang="ja-JP" sz="1400" dirty="0" smtClean="0">
+                <a:solidFill>
+                  <a:schemeClr val="tx1"/>
+                </a:solidFill>
+                <a:latin typeface="+mn-ea"/>
+              </a:rPr>
+              <a:t>Height</a:t>
+            </a:r>
+            <a:r>
+              <a:rPr lang="en-US" altLang="ja-JP" sz="1400" dirty="0" smtClean="0">
+                <a:solidFill>
+                  <a:schemeClr val="tx1"/>
+                </a:solidFill>
+                <a:latin typeface="+mn-ea"/>
+              </a:rPr>
+              <a:t>=</a:t>
+            </a:r>
+            <a:r>
+              <a:rPr lang="en-US" altLang="ja-JP" sz="1400" dirty="0" smtClean="0">
+                <a:solidFill>
+                  <a:schemeClr val="tx1"/>
+                </a:solidFill>
+                <a:latin typeface="+mn-ea"/>
+              </a:rPr>
+              <a:t>45</a:t>
+            </a:r>
+            <a:endParaRPr kumimoji="1" lang="ja-JP" altLang="en-US" sz="1400" dirty="0">
+              <a:solidFill>
+                <a:schemeClr val="tx1"/>
+              </a:solidFill>
+              <a:latin typeface="+mn-ea"/>
+            </a:endParaRPr>
+          </a:p>
+        </p:txBody>
+      </p:sp>
+      <p:sp>
+        <p:nvSpPr>
+          <p:cNvPr id="22" name="強調線吹き出し 1 (枠付き) 21"/>
+          <p:cNvSpPr/>
+          <p:nvPr/>
+        </p:nvSpPr>
+        <p:spPr>
+          <a:xfrm>
+            <a:off x="710975" y="2755983"/>
+            <a:ext cx="3024336" cy="736041"/>
+          </a:xfrm>
+          <a:prstGeom prst="accentBorderCallout1">
+            <a:avLst>
+              <a:gd name="adj1" fmla="val 36755"/>
+              <a:gd name="adj2" fmla="val 106784"/>
+              <a:gd name="adj3" fmla="val -63946"/>
+              <a:gd name="adj4" fmla="val 129777"/>
+            </a:avLst>
+          </a:prstGeom>
+        </p:spPr>
+        <p:style>
+          <a:lnRef idx="2">
+            <a:schemeClr val="accent3"/>
+          </a:lnRef>
+          <a:fillRef idx="1">
+            <a:schemeClr val="lt1"/>
+          </a:fillRef>
+          <a:effectRef idx="0">
+            <a:schemeClr val="accent3"/>
+          </a:effectRef>
+          <a:fontRef idx="minor">
+            <a:schemeClr val="dk1"/>
+          </a:fontRef>
+        </p:style>
+        <p:txBody>
+          <a:bodyPr rtlCol="0" anchor="ctr"/>
+          <a:lstStyle/>
+          <a:p>
+            <a:pPr algn="ctr"/>
+            <a:r>
+              <a:rPr lang="en-US" altLang="ja-JP" sz="1600" b="1" dirty="0" err="1">
+                <a:latin typeface="+mn-ea"/>
+              </a:rPr>
+              <a:t>SearchView</a:t>
+            </a:r>
+            <a:endParaRPr lang="en-US" altLang="ja-JP" sz="1600" b="1" dirty="0">
+              <a:latin typeface="+mn-ea"/>
+            </a:endParaRPr>
+          </a:p>
+          <a:p>
+            <a:pPr algn="ctr"/>
+            <a:r>
+              <a:rPr lang="en-US" altLang="ja-JP" sz="1400" dirty="0" err="1" smtClean="0">
+                <a:solidFill>
+                  <a:schemeClr val="bg1">
+                    <a:lumMod val="75000"/>
+                  </a:schemeClr>
+                </a:solidFill>
+                <a:latin typeface="+mn-ea"/>
+              </a:rPr>
+              <a:t>TrashView</a:t>
+            </a:r>
+            <a:r>
+              <a:rPr lang="en-US" altLang="ja-JP" sz="1400" dirty="0" smtClean="0">
+                <a:solidFill>
+                  <a:schemeClr val="bg1">
+                    <a:lumMod val="75000"/>
+                  </a:schemeClr>
+                </a:solidFill>
+                <a:latin typeface="+mn-ea"/>
+              </a:rPr>
+              <a:t> distance=0</a:t>
+            </a:r>
+          </a:p>
+          <a:p>
+            <a:pPr algn="ctr"/>
+            <a:r>
+              <a:rPr lang="en-US" altLang="ja-JP" sz="1400" dirty="0" smtClean="0">
+                <a:solidFill>
+                  <a:srgbClr val="FF0000"/>
+                </a:solidFill>
+                <a:latin typeface="+mn-ea"/>
+              </a:rPr>
+              <a:t>Height=0</a:t>
+            </a:r>
+            <a:endParaRPr kumimoji="1" lang="ja-JP" altLang="en-US" sz="1400" dirty="0">
+              <a:solidFill>
+                <a:srgbClr val="FF0000"/>
+              </a:solidFill>
+              <a:latin typeface="+mn-ea"/>
+            </a:endParaRPr>
+          </a:p>
+        </p:txBody>
+      </p:sp>
+      <p:sp>
+        <p:nvSpPr>
+          <p:cNvPr id="23" name="強調線吹き出し 1 (枠付き) 22"/>
+          <p:cNvSpPr/>
+          <p:nvPr/>
+        </p:nvSpPr>
+        <p:spPr>
+          <a:xfrm>
+            <a:off x="710975" y="4419527"/>
+            <a:ext cx="3024336" cy="736041"/>
+          </a:xfrm>
+          <a:prstGeom prst="accentBorderCallout1">
+            <a:avLst>
+              <a:gd name="adj1" fmla="val 36755"/>
+              <a:gd name="adj2" fmla="val 106784"/>
+              <a:gd name="adj3" fmla="val 11674"/>
+              <a:gd name="adj4" fmla="val 138358"/>
+            </a:avLst>
+          </a:prstGeom>
+        </p:spPr>
+        <p:style>
+          <a:lnRef idx="2">
+            <a:schemeClr val="accent3"/>
+          </a:lnRef>
+          <a:fillRef idx="1">
+            <a:schemeClr val="lt1"/>
+          </a:fillRef>
+          <a:effectRef idx="0">
+            <a:schemeClr val="accent3"/>
+          </a:effectRef>
+          <a:fontRef idx="minor">
+            <a:schemeClr val="dk1"/>
+          </a:fontRef>
+        </p:style>
+        <p:txBody>
+          <a:bodyPr rtlCol="0" anchor="ctr"/>
+          <a:lstStyle/>
+          <a:p>
+            <a:pPr algn="ctr"/>
+            <a:r>
+              <a:rPr lang="en-US" altLang="ja-JP" sz="1600" b="1" dirty="0" err="1">
+                <a:latin typeface="+mn-ea"/>
+              </a:rPr>
+              <a:t>tableView</a:t>
+            </a:r>
+            <a:endParaRPr lang="en-US" altLang="ja-JP" sz="1600" b="1" dirty="0">
+              <a:latin typeface="+mn-ea"/>
+            </a:endParaRPr>
+          </a:p>
+          <a:p>
+            <a:pPr algn="ctr"/>
+            <a:r>
+              <a:rPr kumimoji="1" lang="en-US" altLang="ja-JP" sz="1400" dirty="0" err="1" smtClean="0">
+                <a:solidFill>
+                  <a:schemeClr val="bg1">
+                    <a:lumMod val="75000"/>
+                  </a:schemeClr>
+                </a:solidFill>
+                <a:latin typeface="+mn-ea"/>
+              </a:rPr>
+              <a:t>SearchView</a:t>
+            </a:r>
+            <a:r>
+              <a:rPr kumimoji="1" lang="en-US" altLang="ja-JP" sz="1400" dirty="0" smtClean="0">
+                <a:solidFill>
+                  <a:schemeClr val="bg1">
+                    <a:lumMod val="75000"/>
+                  </a:schemeClr>
+                </a:solidFill>
+                <a:latin typeface="+mn-ea"/>
+              </a:rPr>
+              <a:t> distance=0</a:t>
+            </a:r>
+            <a:endParaRPr kumimoji="1" lang="ja-JP" altLang="en-US" sz="1400" dirty="0">
+              <a:solidFill>
+                <a:schemeClr val="bg1">
+                  <a:lumMod val="75000"/>
+                </a:schemeClr>
+              </a:solidFill>
+              <a:latin typeface="+mn-ea"/>
+            </a:endParaRPr>
           </a:p>
         </p:txBody>
       </p:sp>
       <p:pic>
         <p:nvPicPr>
-          <p:cNvPr id="5124" name="Picture 4"/>
+          <p:cNvPr id="8194" name="Picture 2"/>
           <p:cNvPicPr>
             <a:picLocks noChangeAspect="1" noChangeArrowheads="1"/>
           </p:cNvPicPr>
@@ -17973,8 +18260,8 @@
         </p:blipFill>
         <p:spPr bwMode="auto">
           <a:xfrm>
-            <a:off x="4387155" y="1772816"/>
-            <a:ext cx="4505325" cy="2962275"/>
+            <a:off x="4434780" y="1556793"/>
+            <a:ext cx="4441345" cy="310618"/>
           </a:xfrm>
           <a:prstGeom prst="rect">
             <a:avLst/>
@@ -18023,24 +18310,23 @@
       </p:pic>
       <p:sp>
         <p:nvSpPr>
-          <p:cNvPr id="16" name="強調線吹き出し 1 (枠付き) 15"/>
+          <p:cNvPr id="21" name="強調線吹き出し 1 (枠付き) 20"/>
           <p:cNvSpPr/>
           <p:nvPr/>
         </p:nvSpPr>
         <p:spPr>
           <a:xfrm>
-            <a:off x="710975" y="1052736"/>
-            <a:ext cx="3068937" cy="736041"/>
+            <a:off x="710975" y="1889864"/>
+            <a:ext cx="3038241" cy="736041"/>
           </a:xfrm>
           <a:prstGeom prst="accentBorderCallout1">
             <a:avLst>
               <a:gd name="adj1" fmla="val 36755"/>
               <a:gd name="adj2" fmla="val 106784"/>
-              <a:gd name="adj3" fmla="val 134106"/>
-              <a:gd name="adj4" fmla="val 136350"/>
+              <a:gd name="adj3" fmla="val 46909"/>
+              <a:gd name="adj4" fmla="val 129750"/>
             </a:avLst>
           </a:prstGeom>
-          <a:ln/>
         </p:spPr>
         <p:style>
           <a:lnRef idx="2">
@@ -18065,7 +18351,7 @@
               <a:rPr lang="en-US" altLang="ja-JP" sz="1600" b="1" dirty="0" err="1">
                 <a:latin typeface="+mn-ea"/>
               </a:rPr>
-              <a:t>MarkView</a:t>
+              <a:t>TrashView</a:t>
             </a:r>
             <a:endParaRPr lang="en-US" altLang="ja-JP" sz="1600" b="1" dirty="0">
               <a:latin typeface="+mn-ea"/>
@@ -18082,7 +18368,7 @@
                 </a:solidFill>
                 <a:latin typeface="+mn-ea"/>
               </a:rPr>
-              <a:t>TopLayoutGuide</a:t>
+              <a:t>MarkView</a:t>
             </a:r>
             <a:r>
               <a:rPr lang="en-US" altLang="ja-JP" sz="1400" dirty="0" smtClean="0">
@@ -18101,98 +18387,21 @@
             <a:r>
               <a:rPr lang="en-US" altLang="ja-JP" sz="1400" dirty="0" smtClean="0">
                 <a:solidFill>
-                  <a:schemeClr val="tx1"/>
-                </a:solidFill>
-                <a:latin typeface="+mn-ea"/>
-              </a:rPr>
-              <a:t>Height=45</a:t>
-            </a:r>
-            <a:endParaRPr kumimoji="1" lang="ja-JP" altLang="en-US" sz="1400" dirty="0">
-              <a:solidFill>
-                <a:schemeClr val="tx1"/>
-              </a:solidFill>
-              <a:latin typeface="+mn-ea"/>
-            </a:endParaRPr>
-          </a:p>
-        </p:txBody>
-      </p:sp>
-      <p:sp>
-        <p:nvSpPr>
-          <p:cNvPr id="21" name="強調線吹き出し 1 (枠付き) 20"/>
-          <p:cNvSpPr/>
-          <p:nvPr/>
-        </p:nvSpPr>
-        <p:spPr>
-          <a:xfrm>
-            <a:off x="710975" y="1889864"/>
-            <a:ext cx="3038241" cy="736041"/>
-          </a:xfrm>
-          <a:prstGeom prst="accentBorderCallout1">
-            <a:avLst>
-              <a:gd name="adj1" fmla="val 36755"/>
-              <a:gd name="adj2" fmla="val 106784"/>
-              <a:gd name="adj3" fmla="val 54885"/>
-              <a:gd name="adj4" fmla="val 129808"/>
-            </a:avLst>
-          </a:prstGeom>
-          <a:ln/>
-        </p:spPr>
-        <p:style>
-          <a:lnRef idx="2">
-            <a:schemeClr val="accent3"/>
-          </a:lnRef>
-          <a:fillRef idx="1">
-            <a:schemeClr val="lt1"/>
-          </a:fillRef>
-          <a:effectRef idx="0">
-            <a:schemeClr val="accent3"/>
-          </a:effectRef>
-          <a:fontRef idx="minor">
-            <a:schemeClr val="dk1"/>
-          </a:fontRef>
-        </p:style>
-        <p:txBody>
-          <a:bodyPr rtlCol="0" anchor="ctr"/>
-          <a:lstStyle/>
-          <a:p>
-            <a:pPr algn="ctr"/>
-            <a:r>
-              <a:rPr lang="en-US" altLang="ja-JP" sz="1600" b="1" dirty="0" err="1">
-                <a:latin typeface="+mn-ea"/>
-              </a:rPr>
-              <a:t>TrashView</a:t>
-            </a:r>
-            <a:endParaRPr lang="en-US" altLang="ja-JP" sz="1600" b="1" dirty="0">
-              <a:latin typeface="+mn-ea"/>
-            </a:endParaRPr>
-          </a:p>
-          <a:p>
-            <a:pPr algn="ctr"/>
-            <a:r>
-              <a:rPr lang="en-US" altLang="ja-JP" sz="1400" dirty="0" err="1" smtClean="0">
-                <a:solidFill>
-                  <a:schemeClr val="bg1">
-                    <a:lumMod val="75000"/>
-                  </a:schemeClr>
-                </a:solidFill>
-                <a:latin typeface="+mn-ea"/>
-              </a:rPr>
-              <a:t>MarkView</a:t>
+                  <a:srgbClr val="FF0000"/>
+                </a:solidFill>
+                <a:latin typeface="+mn-ea"/>
+              </a:rPr>
+              <a:t>Height</a:t>
             </a:r>
             <a:r>
               <a:rPr lang="en-US" altLang="ja-JP" sz="1400" dirty="0" smtClean="0">
                 <a:solidFill>
-                  <a:schemeClr val="bg1">
-                    <a:lumMod val="75000"/>
-                  </a:schemeClr>
-                </a:solidFill>
-                <a:latin typeface="+mn-ea"/>
-              </a:rPr>
-              <a:t> distance=0</a:t>
-            </a:r>
-          </a:p>
-          <a:p>
-            <a:pPr algn="ctr"/>
+                  <a:srgbClr val="FF0000"/>
+                </a:solidFill>
+                <a:latin typeface="+mn-ea"/>
+              </a:rPr>
+              <a:t>=</a:t>
+            </a:r>
             <a:r>
               <a:rPr lang="en-US" altLang="ja-JP" sz="1400" dirty="0" smtClean="0">
                 <a:solidFill>
@@ -18200,7 +18409,7 @@
                 </a:solidFill>
                 <a:latin typeface="+mn-ea"/>
               </a:rPr>
-              <a:t>Height=0</a:t>
+              <a:t>0</a:t>
             </a:r>
             <a:endParaRPr kumimoji="1" lang="ja-JP" altLang="en-US" sz="1400" dirty="0">
               <a:solidFill>
@@ -18211,190 +18420,10 @@
           </a:p>
         </p:txBody>
       </p:sp>
-      <p:sp>
-        <p:nvSpPr>
-          <p:cNvPr id="22" name="強調線吹き出し 1 (枠付き) 21"/>
-          <p:cNvSpPr/>
-          <p:nvPr/>
-        </p:nvSpPr>
-        <p:spPr>
-          <a:xfrm>
-            <a:off x="710975" y="2755983"/>
-            <a:ext cx="3024336" cy="736041"/>
-          </a:xfrm>
-          <a:prstGeom prst="accentBorderCallout1">
-            <a:avLst>
-              <a:gd name="adj1" fmla="val 36755"/>
-              <a:gd name="adj2" fmla="val 106784"/>
-              <a:gd name="adj3" fmla="val -60345"/>
-              <a:gd name="adj4" fmla="val 130654"/>
-            </a:avLst>
-          </a:prstGeom>
-          <a:ln/>
-        </p:spPr>
-        <p:style>
-          <a:lnRef idx="2">
-            <a:schemeClr val="accent3"/>
-          </a:lnRef>
-          <a:fillRef idx="1">
-            <a:schemeClr val="lt1"/>
-          </a:fillRef>
-          <a:effectRef idx="0">
-            <a:schemeClr val="accent3"/>
-          </a:effectRef>
-          <a:fontRef idx="minor">
-            <a:schemeClr val="dk1"/>
-          </a:fontRef>
-        </p:style>
-        <p:txBody>
-          <a:bodyPr rtlCol="0" anchor="ctr"/>
-          <a:lstStyle/>
-          <a:p>
-            <a:pPr algn="ctr"/>
-            <a:r>
-              <a:rPr lang="en-US" altLang="ja-JP" sz="1600" b="1" dirty="0" err="1">
-                <a:latin typeface="+mn-ea"/>
-              </a:rPr>
-              <a:t>SearchView</a:t>
-            </a:r>
-            <a:endParaRPr lang="en-US" altLang="ja-JP" sz="1600" b="1" dirty="0">
-              <a:latin typeface="+mn-ea"/>
-            </a:endParaRPr>
-          </a:p>
-          <a:p>
-            <a:pPr algn="ctr"/>
-            <a:r>
-              <a:rPr lang="en-US" altLang="ja-JP" sz="1400" dirty="0" err="1" smtClean="0">
-                <a:solidFill>
-                  <a:schemeClr val="bg1">
-                    <a:lumMod val="75000"/>
-                  </a:schemeClr>
-                </a:solidFill>
-                <a:latin typeface="+mn-ea"/>
-              </a:rPr>
-              <a:t>TrashView</a:t>
-            </a:r>
-            <a:r>
-              <a:rPr lang="en-US" altLang="ja-JP" sz="1400" dirty="0" smtClean="0">
-                <a:solidFill>
-                  <a:schemeClr val="bg1">
-                    <a:lumMod val="75000"/>
-                  </a:schemeClr>
-                </a:solidFill>
-                <a:latin typeface="+mn-ea"/>
-              </a:rPr>
-              <a:t> distance=0</a:t>
-            </a:r>
-          </a:p>
-          <a:p>
-            <a:pPr algn="ctr"/>
-            <a:r>
-              <a:rPr lang="en-US" altLang="ja-JP" sz="1400" dirty="0" smtClean="0">
-                <a:solidFill>
-                  <a:srgbClr val="FF0000"/>
-                </a:solidFill>
-                <a:latin typeface="+mn-ea"/>
-              </a:rPr>
-              <a:t>Height=0</a:t>
-            </a:r>
-            <a:endParaRPr kumimoji="1" lang="ja-JP" altLang="en-US" sz="1400" dirty="0">
-              <a:solidFill>
-                <a:srgbClr val="FF0000"/>
-              </a:solidFill>
-              <a:latin typeface="+mn-ea"/>
-            </a:endParaRPr>
-          </a:p>
-        </p:txBody>
-      </p:sp>
-      <p:sp>
-        <p:nvSpPr>
-          <p:cNvPr id="23" name="強調線吹き出し 1 (枠付き) 22"/>
-          <p:cNvSpPr/>
-          <p:nvPr/>
-        </p:nvSpPr>
-        <p:spPr>
-          <a:xfrm>
-            <a:off x="710975" y="4419527"/>
-            <a:ext cx="3024336" cy="736041"/>
-          </a:xfrm>
-          <a:prstGeom prst="accentBorderCallout1">
-            <a:avLst>
-              <a:gd name="adj1" fmla="val 36755"/>
-              <a:gd name="adj2" fmla="val 106784"/>
-              <a:gd name="adj3" fmla="val 11674"/>
-              <a:gd name="adj4" fmla="val 138358"/>
-            </a:avLst>
-          </a:prstGeom>
-          <a:ln/>
-        </p:spPr>
-        <p:style>
-          <a:lnRef idx="2">
-            <a:schemeClr val="accent3"/>
-          </a:lnRef>
-          <a:fillRef idx="1">
-            <a:schemeClr val="lt1"/>
-          </a:fillRef>
-          <a:effectRef idx="0">
-            <a:schemeClr val="accent3"/>
-          </a:effectRef>
-          <a:fontRef idx="minor">
-            <a:schemeClr val="dk1"/>
-          </a:fontRef>
-        </p:style>
-        <p:txBody>
-          <a:bodyPr rtlCol="0" anchor="ctr"/>
-          <a:lstStyle/>
-          <a:p>
-            <a:pPr algn="ctr"/>
-            <a:r>
-              <a:rPr lang="en-US" altLang="ja-JP" sz="1600" b="1" dirty="0" err="1">
-                <a:latin typeface="+mn-ea"/>
-              </a:rPr>
-              <a:t>tableView</a:t>
-            </a:r>
-            <a:endParaRPr lang="en-US" altLang="ja-JP" sz="1600" b="1" dirty="0">
-              <a:latin typeface="+mn-ea"/>
-            </a:endParaRPr>
-          </a:p>
-          <a:p>
-            <a:pPr algn="ctr"/>
-            <a:r>
-              <a:rPr kumimoji="1" lang="en-US" altLang="ja-JP" sz="1400" dirty="0" err="1" smtClean="0">
-                <a:solidFill>
-                  <a:schemeClr val="bg1">
-                    <a:lumMod val="75000"/>
-                  </a:schemeClr>
-                </a:solidFill>
-                <a:latin typeface="+mn-ea"/>
-              </a:rPr>
-              <a:t>SearchView</a:t>
-            </a:r>
-            <a:r>
-              <a:rPr kumimoji="1" lang="en-US" altLang="ja-JP" sz="1400" dirty="0" smtClean="0">
-                <a:solidFill>
-                  <a:schemeClr val="bg1">
-                    <a:lumMod val="75000"/>
-                  </a:schemeClr>
-                </a:solidFill>
-                <a:latin typeface="+mn-ea"/>
-              </a:rPr>
-              <a:t> distance=0</a:t>
-            </a:r>
-            <a:endParaRPr kumimoji="1" lang="ja-JP" altLang="en-US" sz="1400" dirty="0">
-              <a:solidFill>
-                <a:schemeClr val="bg1">
-                  <a:lumMod val="75000"/>
-                </a:schemeClr>
-              </a:solidFill>
-              <a:latin typeface="+mn-ea"/>
-            </a:endParaRPr>
-          </a:p>
-        </p:txBody>
-      </p:sp>
     </p:spTree>
     <p:extLst>
       <p:ext uri="{BB962C8B-B14F-4D97-AF65-F5344CB8AC3E}">
-        <p14:creationId xmlns:p14="http://schemas.microsoft.com/office/powerpoint/2010/main" val="2566060832"/>
+        <p14:creationId xmlns:p14="http://schemas.microsoft.com/office/powerpoint/2010/main" val="3199251095"/>
       </p:ext>
     </p:extLst>
   </p:cSld>
@@ -18596,13 +18625,25 @@
               <a:rPr lang="ja-JP" altLang="en-US" dirty="0" smtClean="0">
                 <a:latin typeface="+mj-ea"/>
               </a:rPr>
-              <a:t>ごみ箱（</a:t>
+              <a:t>ごみ箱</a:t>
+            </a:r>
+            <a:r>
+              <a:rPr lang="ja-JP" altLang="en-US" dirty="0" smtClean="0">
+                <a:latin typeface="+mj-ea"/>
+              </a:rPr>
+              <a:t>（</a:t>
             </a:r>
             <a:r>
               <a:rPr lang="en-US" altLang="ja-JP" dirty="0" smtClean="0">
                 <a:latin typeface="+mj-ea"/>
               </a:rPr>
-              <a:t>.Trash</a:t>
+              <a:t>.</a:t>
+            </a:r>
+            <a:r>
+              <a:rPr lang="en-US" altLang="ja-JP" dirty="0" smtClean="0">
+                <a:latin typeface="+mj-ea"/>
+              </a:rPr>
+              <a:t>Trash</a:t>
             </a:r>
             <a:r>
               <a:rPr lang="ja-JP" altLang="en-US" dirty="0" smtClean="0">
@@ -18795,7 +18836,7 @@
           <a:prstGeom prst="accentBorderCallout1">
             <a:avLst>
               <a:gd name="adj1" fmla="val 36755"/>
-              <a:gd name="adj2" fmla="val 106784"/>
+              <a:gd name="adj2" fmla="val 105775"/>
               <a:gd name="adj3" fmla="val 121503"/>
               <a:gd name="adj4" fmla="val 129009"/>
             </a:avLst>
@@ -18890,8 +18931,8 @@
             <a:avLst>
               <a:gd name="adj1" fmla="val 36755"/>
               <a:gd name="adj2" fmla="val 106784"/>
-              <a:gd name="adj3" fmla="val 9873"/>
-              <a:gd name="adj4" fmla="val 130244"/>
+              <a:gd name="adj3" fmla="val 28108"/>
+              <a:gd name="adj4" fmla="val 133982"/>
             </a:avLst>
           </a:prstGeom>
         </p:spPr>
@@ -18954,15 +18995,33 @@
             <a:r>
               <a:rPr lang="en-US" altLang="ja-JP" sz="1400" dirty="0" smtClean="0">
                 <a:solidFill>
-                  <a:srgbClr val="FF0000"/>
-                </a:solidFill>
-                <a:latin typeface="+mn-ea"/>
-              </a:rPr>
-              <a:t>Height=0</a:t>
+                  <a:schemeClr val="tx1"/>
+                </a:solidFill>
+                <a:latin typeface="+mn-ea"/>
+              </a:rPr>
+              <a:t>Height</a:t>
+            </a:r>
+            <a:r>
+              <a:rPr lang="en-US" altLang="ja-JP" sz="1400" dirty="0" smtClean="0">
+                <a:solidFill>
+                  <a:schemeClr val="tx1"/>
+                </a:solidFill>
+                <a:latin typeface="+mn-ea"/>
+              </a:rPr>
+              <a:t>=</a:t>
+            </a:r>
+            <a:r>
+              <a:rPr lang="en-US" altLang="ja-JP" sz="1400" dirty="0" smtClean="0">
+                <a:solidFill>
+                  <a:schemeClr val="tx1"/>
+                </a:solidFill>
+                <a:latin typeface="+mn-ea"/>
+              </a:rPr>
+              <a:t>45</a:t>
             </a:r>
             <a:endParaRPr kumimoji="1" lang="ja-JP" altLang="en-US" sz="1400" dirty="0">
               <a:solidFill>
-                <a:srgbClr val="FF0000"/>
+                <a:schemeClr val="tx1"/>
               </a:solidFill>
               <a:latin typeface="+mn-ea"/>
             </a:endParaRPr>
@@ -18984,8 +19043,8 @@
             <a:avLst>
               <a:gd name="adj1" fmla="val 36755"/>
               <a:gd name="adj2" fmla="val 106784"/>
-              <a:gd name="adj3" fmla="val -87352"/>
-              <a:gd name="adj4" fmla="val 133721"/>
+              <a:gd name="adj3" fmla="val -70520"/>
+              <a:gd name="adj4" fmla="val 130307"/>
             </a:avLst>
           </a:prstGeom>
         </p:spPr>
@@ -19048,15 +19107,33 @@
             <a:r>
               <a:rPr lang="en-US" altLang="ja-JP" sz="1400" dirty="0" smtClean="0">
                 <a:solidFill>
-                  <a:schemeClr val="tx1"/>
-                </a:solidFill>
-                <a:latin typeface="+mn-ea"/>
-              </a:rPr>
-              <a:t>Height=45</a:t>
+                  <a:srgbClr val="FF0000"/>
+                </a:solidFill>
+                <a:latin typeface="+mn-ea"/>
+              </a:rPr>
+              <a:t>Height</a:t>
+            </a:r>
+            <a:r>
+              <a:rPr lang="en-US" altLang="ja-JP" sz="1400" dirty="0" smtClean="0">
+                <a:solidFill>
+                  <a:srgbClr val="FF0000"/>
+                </a:solidFill>
+                <a:latin typeface="+mn-ea"/>
+              </a:rPr>
+              <a:t>=</a:t>
+            </a:r>
+            <a:r>
+              <a:rPr lang="en-US" altLang="ja-JP" sz="1400" dirty="0" smtClean="0">
+                <a:solidFill>
+                  <a:srgbClr val="FF0000"/>
+                </a:solidFill>
+                <a:latin typeface="+mn-ea"/>
+              </a:rPr>
+              <a:t>0</a:t>
             </a:r>
             <a:endParaRPr kumimoji="1" lang="ja-JP" altLang="en-US" sz="1400" dirty="0">
               <a:solidFill>
-                <a:schemeClr val="tx1"/>
+                <a:srgbClr val="FF0000"/>
               </a:solidFill>
               <a:latin typeface="+mn-ea"/>
             </a:endParaRPr>
@@ -19204,8 +19281,8 @@
         </p:nvSpPr>
         <p:spPr>
           <a:xfrm>
-            <a:off x="250825" y="188913"/>
-            <a:ext cx="6342240" cy="584775"/>
+            <a:off x="250824" y="188913"/>
+            <a:ext cx="8209607" cy="584775"/>
           </a:xfrm>
           <a:prstGeom prst="rect">
             <a:avLst/>
@@ -19219,36 +19296,40 @@
           <a:lstStyle/>
           <a:p>
             <a:r>
-              <a:rPr kumimoji="1" lang="en-US" altLang="ja-JP" sz="3200" dirty="0" smtClean="0">
+              <a:rPr lang="en-US" altLang="ja-JP" sz="3200" dirty="0" smtClean="0">
                 <a:latin typeface="+mj-ea"/>
-                <a:ea typeface="+mj-ea"/>
               </a:rPr>
               <a:t>View</a:t>
             </a:r>
             <a:r>
-              <a:rPr kumimoji="1" lang="ja-JP" altLang="en-US" sz="3200" dirty="0" smtClean="0">
+              <a:rPr lang="ja-JP" altLang="en-US" sz="3200" dirty="0" smtClean="0">
                 <a:latin typeface="+mj-ea"/>
-                <a:ea typeface="+mj-ea"/>
-              </a:rPr>
-              <a:t>モード</a:t>
-            </a:r>
-            <a:r>
-              <a:rPr lang="ja-JP" altLang="en-US" sz="3200" dirty="0">
-                <a:latin typeface="+mj-ea"/>
-              </a:rPr>
-              <a:t>　</a:t>
+              </a:rPr>
+              <a:t>モード　</a:t>
             </a:r>
             <a:r>
               <a:rPr lang="ja-JP" altLang="en-US" dirty="0" smtClean="0">
                 <a:latin typeface="+mj-ea"/>
               </a:rPr>
-              <a:t>重要（</a:t>
+              <a:t>検索</a:t>
+            </a:r>
+            <a:r>
+              <a:rPr lang="ja-JP" altLang="en-US" dirty="0" smtClean="0">
+                <a:latin typeface="+mj-ea"/>
+              </a:rPr>
+              <a:t>（</a:t>
             </a:r>
             <a:r>
               <a:rPr lang="en-US" altLang="ja-JP" dirty="0" smtClean="0">
                 <a:latin typeface="+mj-ea"/>
               </a:rPr>
-              <a:t>.Mark</a:t>
+              <a:t>.</a:t>
+            </a:r>
+            <a:r>
+              <a:rPr lang="en-US" altLang="ja-JP" dirty="0" smtClean="0">
+                <a:latin typeface="+mj-ea"/>
+              </a:rPr>
+              <a:t>Search</a:t>
             </a:r>
             <a:r>
               <a:rPr lang="ja-JP" altLang="en-US" dirty="0" smtClean="0">
@@ -19354,57 +19435,9 @@
           </a:p>
         </p:txBody>
       </p:sp>
-      <p:sp>
-        <p:nvSpPr>
-          <p:cNvPr id="13" name="正方形/長方形 12"/>
-          <p:cNvSpPr/>
-          <p:nvPr/>
-        </p:nvSpPr>
-        <p:spPr>
-          <a:xfrm>
-            <a:off x="4372331" y="1772816"/>
-            <a:ext cx="4520149" cy="3744416"/>
-          </a:xfrm>
-          <a:prstGeom prst="rect">
-            <a:avLst/>
-          </a:prstGeom>
-          <a:solidFill>
-            <a:schemeClr val="bg1"/>
-          </a:solidFill>
-          <a:scene3d>
-            <a:camera prst="isometricRightUp">
-              <a:rot lat="1200000" lon="19200000" rev="0"/>
-            </a:camera>
-            <a:lightRig rig="threePt" dir="t"/>
-          </a:scene3d>
-          <a:sp3d z="-381000"/>
-        </p:spPr>
-        <p:style>
-          <a:lnRef idx="2">
-            <a:schemeClr val="accent6"/>
-          </a:lnRef>
-          <a:fillRef idx="1">
-            <a:schemeClr val="lt1"/>
-          </a:fillRef>
-          <a:effectRef idx="0">
-            <a:schemeClr val="accent6"/>
-          </a:effectRef>
-          <a:fontRef idx="minor">
-            <a:schemeClr val="dk1"/>
-          </a:fontRef>
-        </p:style>
-        <p:txBody>
-          <a:bodyPr rtlCol="0" anchor="ctr"/>
-          <a:lstStyle/>
-          <a:p>
-            <a:pPr algn="ctr"/>
-            <a:endParaRPr kumimoji="1" lang="ja-JP" altLang="en-US"/>
-          </a:p>
-        </p:txBody>
-      </p:sp>
       <p:pic>
         <p:nvPicPr>
-          <p:cNvPr id="5124" name="Picture 4"/>
+          <p:cNvPr id="5122" name="Picture 2"/>
           <p:cNvPicPr>
             <a:picLocks noChangeAspect="1" noChangeArrowheads="1"/>
           </p:cNvPicPr>
@@ -19425,8 +19458,8 @@
         </p:blipFill>
         <p:spPr bwMode="auto">
           <a:xfrm>
-            <a:off x="4387155" y="1788777"/>
-            <a:ext cx="4505325" cy="2946314"/>
+            <a:off x="4384505" y="1572135"/>
+            <a:ext cx="4495800" cy="295275"/>
           </a:xfrm>
           <a:prstGeom prst="rect">
             <a:avLst/>
@@ -19475,33 +19508,38 @@
       </p:pic>
       <p:sp>
         <p:nvSpPr>
-          <p:cNvPr id="16" name="強調線吹き出し 1 (枠付き) 15"/>
+          <p:cNvPr id="13" name="正方形/長方形 12"/>
           <p:cNvSpPr/>
           <p:nvPr/>
         </p:nvSpPr>
         <p:spPr>
           <a:xfrm>
-            <a:off x="710975" y="1052736"/>
-            <a:ext cx="3068937" cy="736041"/>
-          </a:xfrm>
-          <a:prstGeom prst="accentBorderCallout1">
-            <a:avLst>
-              <a:gd name="adj1" fmla="val 36755"/>
-              <a:gd name="adj2" fmla="val 106784"/>
-              <a:gd name="adj3" fmla="val 123303"/>
-              <a:gd name="adj4" fmla="val 128576"/>
-            </a:avLst>
-          </a:prstGeom>
+            <a:off x="4372331" y="1772816"/>
+            <a:ext cx="4520149" cy="3744416"/>
+          </a:xfrm>
+          <a:prstGeom prst="rect">
+            <a:avLst/>
+          </a:prstGeom>
+          <a:solidFill>
+            <a:schemeClr val="bg1"/>
+          </a:solidFill>
+          <a:scene3d>
+            <a:camera prst="isometricRightUp">
+              <a:rot lat="1200000" lon="19200000" rev="0"/>
+            </a:camera>
+            <a:lightRig rig="threePt" dir="t"/>
+          </a:scene3d>
+          <a:sp3d z="-381000"/>
         </p:spPr>
         <p:style>
           <a:lnRef idx="2">
-            <a:schemeClr val="accent3"/>
+            <a:schemeClr val="accent6"/>
           </a:lnRef>
           <a:fillRef idx="1">
             <a:schemeClr val="lt1"/>
           </a:fillRef>
           <a:effectRef idx="0">
-            <a:schemeClr val="accent3"/>
+            <a:schemeClr val="accent6"/>
           </a:effectRef>
           <a:fontRef idx="minor">
             <a:schemeClr val="dk1"/>
@@ -19512,242 +19550,13 @@
           <a:lstStyle/>
           <a:p>
             <a:pPr algn="ctr"/>
-            <a:r>
-              <a:rPr lang="en-US" altLang="ja-JP" sz="1600" b="1" dirty="0" err="1">
-                <a:latin typeface="+mn-ea"/>
-              </a:rPr>
-              <a:t>MarkView</a:t>
-            </a:r>
-            <a:endParaRPr lang="en-US" altLang="ja-JP" sz="1600" b="1" dirty="0">
-              <a:latin typeface="+mn-ea"/>
-            </a:endParaRPr>
-          </a:p>
-          <a:p>
-            <a:pPr algn="ctr"/>
-            <a:r>
-              <a:rPr lang="en-US" altLang="ja-JP" sz="1400" dirty="0" err="1" smtClean="0">
-                <a:solidFill>
-                  <a:schemeClr val="bg1">
-                    <a:lumMod val="75000"/>
-                  </a:schemeClr>
-                </a:solidFill>
-                <a:latin typeface="+mn-ea"/>
-              </a:rPr>
-              <a:t>TopLayoutGuide</a:t>
-            </a:r>
-            <a:r>
-              <a:rPr lang="en-US" altLang="ja-JP" sz="1400" dirty="0" smtClean="0">
-                <a:solidFill>
-                  <a:schemeClr val="bg1">
-                    <a:lumMod val="75000"/>
-                  </a:schemeClr>
-                </a:solidFill>
-                <a:latin typeface="+mn-ea"/>
-              </a:rPr>
-              <a:t> distance=0</a:t>
-            </a:r>
-          </a:p>
-          <a:p>
-            <a:pPr algn="ctr"/>
-            <a:r>
-              <a:rPr lang="en-US" altLang="ja-JP" sz="1400" dirty="0" smtClean="0">
-                <a:solidFill>
-                  <a:srgbClr val="FF0000"/>
-                </a:solidFill>
-                <a:latin typeface="+mn-ea"/>
-              </a:rPr>
-              <a:t>Height=0</a:t>
-            </a:r>
-            <a:endParaRPr kumimoji="1" lang="ja-JP" altLang="en-US" sz="1400" dirty="0">
-              <a:solidFill>
-                <a:srgbClr val="FF0000"/>
-              </a:solidFill>
-              <a:latin typeface="+mn-ea"/>
-            </a:endParaRPr>
-          </a:p>
-        </p:txBody>
-      </p:sp>
-      <p:sp>
-        <p:nvSpPr>
-          <p:cNvPr id="22" name="強調線吹き出し 1 (枠付き) 21"/>
-          <p:cNvSpPr/>
-          <p:nvPr/>
-        </p:nvSpPr>
-        <p:spPr>
-          <a:xfrm>
-            <a:off x="710975" y="2755983"/>
-            <a:ext cx="3024336" cy="736041"/>
-          </a:xfrm>
-          <a:prstGeom prst="accentBorderCallout1">
-            <a:avLst>
-              <a:gd name="adj1" fmla="val 36755"/>
-              <a:gd name="adj2" fmla="val 106784"/>
-              <a:gd name="adj3" fmla="val -63946"/>
-              <a:gd name="adj4" fmla="val 129777"/>
-            </a:avLst>
-          </a:prstGeom>
-        </p:spPr>
-        <p:style>
-          <a:lnRef idx="2">
-            <a:schemeClr val="accent3"/>
-          </a:lnRef>
-          <a:fillRef idx="1">
-            <a:schemeClr val="lt1"/>
-          </a:fillRef>
-          <a:effectRef idx="0">
-            <a:schemeClr val="accent3"/>
-          </a:effectRef>
-          <a:fontRef idx="minor">
-            <a:schemeClr val="dk1"/>
-          </a:fontRef>
-        </p:style>
-        <p:txBody>
-          <a:bodyPr rtlCol="0" anchor="ctr"/>
-          <a:lstStyle/>
-          <a:p>
-            <a:pPr algn="ctr"/>
-            <a:r>
-              <a:rPr lang="en-US" altLang="ja-JP" sz="1600" b="1" dirty="0" err="1">
-                <a:latin typeface="+mn-ea"/>
-              </a:rPr>
-              <a:t>SearchView</a:t>
-            </a:r>
-            <a:endParaRPr lang="en-US" altLang="ja-JP" sz="1600" b="1" dirty="0">
-              <a:latin typeface="+mn-ea"/>
-            </a:endParaRPr>
-          </a:p>
-          <a:p>
-            <a:pPr algn="ctr"/>
-            <a:r>
-              <a:rPr lang="en-US" altLang="ja-JP" sz="1400" dirty="0" err="1" smtClean="0">
-                <a:solidFill>
-                  <a:schemeClr val="bg1">
-                    <a:lumMod val="75000"/>
-                  </a:schemeClr>
-                </a:solidFill>
-                <a:latin typeface="+mn-ea"/>
-              </a:rPr>
-              <a:t>TrashView</a:t>
-            </a:r>
-            <a:r>
-              <a:rPr lang="en-US" altLang="ja-JP" sz="1400" dirty="0" smtClean="0">
-                <a:solidFill>
-                  <a:schemeClr val="bg1">
-                    <a:lumMod val="75000"/>
-                  </a:schemeClr>
-                </a:solidFill>
-                <a:latin typeface="+mn-ea"/>
-              </a:rPr>
-              <a:t> distance=0</a:t>
-            </a:r>
-          </a:p>
-          <a:p>
-            <a:pPr algn="ctr"/>
-            <a:r>
-              <a:rPr lang="en-US" altLang="ja-JP" sz="1400" dirty="0" smtClean="0">
-                <a:solidFill>
-                  <a:srgbClr val="FF0000"/>
-                </a:solidFill>
-                <a:latin typeface="+mn-ea"/>
-              </a:rPr>
-              <a:t>Height=0</a:t>
-            </a:r>
-            <a:endParaRPr kumimoji="1" lang="ja-JP" altLang="en-US" sz="1400" dirty="0">
-              <a:solidFill>
-                <a:srgbClr val="FF0000"/>
-              </a:solidFill>
-              <a:latin typeface="+mn-ea"/>
-            </a:endParaRPr>
-          </a:p>
-        </p:txBody>
-      </p:sp>
-      <p:sp>
-        <p:nvSpPr>
-          <p:cNvPr id="23" name="強調線吹き出し 1 (枠付き) 22"/>
-          <p:cNvSpPr/>
-          <p:nvPr/>
-        </p:nvSpPr>
-        <p:spPr>
-          <a:xfrm>
-            <a:off x="710975" y="4419527"/>
-            <a:ext cx="3024336" cy="736041"/>
-          </a:xfrm>
-          <a:prstGeom prst="accentBorderCallout1">
-            <a:avLst>
-              <a:gd name="adj1" fmla="val 36755"/>
-              <a:gd name="adj2" fmla="val 106784"/>
-              <a:gd name="adj3" fmla="val 11674"/>
-              <a:gd name="adj4" fmla="val 138358"/>
-            </a:avLst>
-          </a:prstGeom>
-        </p:spPr>
-        <p:style>
-          <a:lnRef idx="2">
-            <a:schemeClr val="accent3"/>
-          </a:lnRef>
-          <a:fillRef idx="1">
-            <a:schemeClr val="lt1"/>
-          </a:fillRef>
-          <a:effectRef idx="0">
-            <a:schemeClr val="accent3"/>
-          </a:effectRef>
-          <a:fontRef idx="minor">
-            <a:schemeClr val="dk1"/>
-          </a:fontRef>
-        </p:style>
-        <p:txBody>
-          <a:bodyPr rtlCol="0" anchor="ctr"/>
-          <a:lstStyle/>
-          <a:p>
-            <a:pPr algn="ctr"/>
-            <a:r>
-              <a:rPr lang="en-US" altLang="ja-JP" sz="1600" b="1" dirty="0" err="1">
-                <a:latin typeface="+mn-ea"/>
-              </a:rPr>
-              <a:t>tableView</a:t>
-            </a:r>
-            <a:endParaRPr lang="en-US" altLang="ja-JP" sz="1600" b="1" dirty="0">
-              <a:latin typeface="+mn-ea"/>
-            </a:endParaRPr>
-          </a:p>
-          <a:p>
-            <a:pPr algn="ctr"/>
-            <a:r>
-              <a:rPr kumimoji="1" lang="en-US" altLang="ja-JP" sz="1400" dirty="0" err="1" smtClean="0">
-                <a:solidFill>
-                  <a:schemeClr val="bg1">
-                    <a:lumMod val="75000"/>
-                  </a:schemeClr>
-                </a:solidFill>
-                <a:latin typeface="+mn-ea"/>
-              </a:rPr>
-              <a:t>SearchView</a:t>
-            </a:r>
-            <a:r>
-              <a:rPr kumimoji="1" lang="en-US" altLang="ja-JP" sz="1400" dirty="0" smtClean="0">
-                <a:solidFill>
-                  <a:schemeClr val="bg1">
-                    <a:lumMod val="75000"/>
-                  </a:schemeClr>
-                </a:solidFill>
-                <a:latin typeface="+mn-ea"/>
-              </a:rPr>
-              <a:t> distance=0</a:t>
-            </a:r>
-            <a:endParaRPr kumimoji="1" lang="ja-JP" altLang="en-US" sz="1400" dirty="0">
-              <a:solidFill>
-                <a:schemeClr val="bg1">
-                  <a:lumMod val="75000"/>
-                </a:schemeClr>
-              </a:solidFill>
-              <a:latin typeface="+mn-ea"/>
-            </a:endParaRPr>
+            <a:endParaRPr kumimoji="1" lang="ja-JP" altLang="en-US"/>
           </a:p>
         </p:txBody>
       </p:sp>
       <p:pic>
         <p:nvPicPr>
-          <p:cNvPr id="8194" name="Picture 2"/>
+          <p:cNvPr id="5124" name="Picture 4"/>
           <p:cNvPicPr>
             <a:picLocks noChangeAspect="1" noChangeArrowheads="1"/>
           </p:cNvPicPr>
@@ -19768,8 +19577,8 @@
         </p:blipFill>
         <p:spPr bwMode="auto">
           <a:xfrm>
-            <a:off x="4434780" y="1556793"/>
-            <a:ext cx="4441345" cy="310618"/>
+            <a:off x="4387155" y="1772816"/>
+            <a:ext cx="4505325" cy="2962275"/>
           </a:xfrm>
           <a:prstGeom prst="rect">
             <a:avLst/>
@@ -19818,23 +19627,24 @@
       </p:pic>
       <p:sp>
         <p:nvSpPr>
-          <p:cNvPr id="21" name="強調線吹き出し 1 (枠付き) 20"/>
+          <p:cNvPr id="16" name="強調線吹き出し 1 (枠付き) 15"/>
           <p:cNvSpPr/>
           <p:nvPr/>
         </p:nvSpPr>
         <p:spPr>
           <a:xfrm>
-            <a:off x="710975" y="1889864"/>
-            <a:ext cx="3038241" cy="736041"/>
+            <a:off x="710975" y="1052736"/>
+            <a:ext cx="3068937" cy="736041"/>
           </a:xfrm>
           <a:prstGeom prst="accentBorderCallout1">
             <a:avLst>
-              <a:gd name="adj1" fmla="val 36755"/>
-              <a:gd name="adj2" fmla="val 106784"/>
-              <a:gd name="adj3" fmla="val 31479"/>
-              <a:gd name="adj4" fmla="val 134168"/>
+              <a:gd name="adj1" fmla="val 33950"/>
+              <a:gd name="adj2" fmla="val 105438"/>
+              <a:gd name="adj3" fmla="val 115871"/>
+              <a:gd name="adj4" fmla="val 127939"/>
             </a:avLst>
           </a:prstGeom>
+          <a:ln/>
         </p:spPr>
         <p:style>
           <a:lnRef idx="2">
@@ -19859,7 +19669,7 @@
               <a:rPr lang="en-US" altLang="ja-JP" sz="1600" b="1" dirty="0" err="1">
                 <a:latin typeface="+mn-ea"/>
               </a:rPr>
-              <a:t>TrashView</a:t>
+              <a:t>MarkView</a:t>
             </a:r>
             <a:endParaRPr lang="en-US" altLang="ja-JP" sz="1600" b="1" dirty="0">
               <a:latin typeface="+mn-ea"/>
@@ -19876,7 +19686,7 @@
                 </a:solidFill>
                 <a:latin typeface="+mn-ea"/>
               </a:rPr>
-              <a:t>MarkView</a:t>
+              <a:t>TopLayoutGuide</a:t>
             </a:r>
             <a:r>
               <a:rPr lang="en-US" altLang="ja-JP" sz="1400" dirty="0" smtClean="0">
@@ -19895,11 +19705,237 @@
             <a:r>
               <a:rPr lang="en-US" altLang="ja-JP" sz="1400" dirty="0" smtClean="0">
                 <a:solidFill>
+                  <a:srgbClr val="FF0000"/>
+                </a:solidFill>
+                <a:latin typeface="+mn-ea"/>
+              </a:rPr>
+              <a:t>Height</a:t>
+            </a:r>
+            <a:r>
+              <a:rPr lang="en-US" altLang="ja-JP" sz="1400" dirty="0" smtClean="0">
+                <a:solidFill>
+                  <a:srgbClr val="FF0000"/>
+                </a:solidFill>
+                <a:latin typeface="+mn-ea"/>
+              </a:rPr>
+              <a:t>=</a:t>
+            </a:r>
+            <a:r>
+              <a:rPr lang="en-US" altLang="ja-JP" sz="1400" dirty="0">
+                <a:solidFill>
+                  <a:srgbClr val="FF0000"/>
+                </a:solidFill>
+                <a:latin typeface="+mn-ea"/>
+              </a:rPr>
+              <a:t>0</a:t>
+            </a:r>
+            <a:endParaRPr kumimoji="1" lang="ja-JP" altLang="en-US" sz="1400" dirty="0">
+              <a:solidFill>
+                <a:srgbClr val="FF0000"/>
+              </a:solidFill>
+              <a:latin typeface="+mn-ea"/>
+            </a:endParaRPr>
+          </a:p>
+        </p:txBody>
+      </p:sp>
+      <p:sp>
+        <p:nvSpPr>
+          <p:cNvPr id="21" name="強調線吹き出し 1 (枠付き) 20"/>
+          <p:cNvSpPr/>
+          <p:nvPr/>
+        </p:nvSpPr>
+        <p:spPr>
+          <a:xfrm>
+            <a:off x="710975" y="1889864"/>
+            <a:ext cx="3038241" cy="736041"/>
+          </a:xfrm>
+          <a:prstGeom prst="accentBorderCallout1">
+            <a:avLst>
+              <a:gd name="adj1" fmla="val 36755"/>
+              <a:gd name="adj2" fmla="val 106784"/>
+              <a:gd name="adj3" fmla="val 11401"/>
+              <a:gd name="adj4" fmla="val 129128"/>
+            </a:avLst>
+          </a:prstGeom>
+          <a:ln/>
+        </p:spPr>
+        <p:style>
+          <a:lnRef idx="2">
+            <a:schemeClr val="accent3"/>
+          </a:lnRef>
+          <a:fillRef idx="1">
+            <a:schemeClr val="lt1"/>
+          </a:fillRef>
+          <a:effectRef idx="0">
+            <a:schemeClr val="accent3"/>
+          </a:effectRef>
+          <a:fontRef idx="minor">
+            <a:schemeClr val="dk1"/>
+          </a:fontRef>
+        </p:style>
+        <p:txBody>
+          <a:bodyPr rtlCol="0" anchor="ctr"/>
+          <a:lstStyle/>
+          <a:p>
+            <a:pPr algn="ctr"/>
+            <a:r>
+              <a:rPr lang="en-US" altLang="ja-JP" sz="1600" b="1" dirty="0" err="1">
+                <a:latin typeface="+mn-ea"/>
+              </a:rPr>
+              <a:t>TrashView</a:t>
+            </a:r>
+            <a:endParaRPr lang="en-US" altLang="ja-JP" sz="1600" b="1" dirty="0">
+              <a:latin typeface="+mn-ea"/>
+            </a:endParaRPr>
+          </a:p>
+          <a:p>
+            <a:pPr algn="ctr"/>
+            <a:r>
+              <a:rPr lang="en-US" altLang="ja-JP" sz="1400" dirty="0" err="1" smtClean="0">
+                <a:solidFill>
+                  <a:schemeClr val="bg1">
+                    <a:lumMod val="75000"/>
+                  </a:schemeClr>
+                </a:solidFill>
+                <a:latin typeface="+mn-ea"/>
+              </a:rPr>
+              <a:t>MarkView</a:t>
+            </a:r>
+            <a:r>
+              <a:rPr lang="en-US" altLang="ja-JP" sz="1400" dirty="0" smtClean="0">
+                <a:solidFill>
+                  <a:schemeClr val="bg1">
+                    <a:lumMod val="75000"/>
+                  </a:schemeClr>
+                </a:solidFill>
+                <a:latin typeface="+mn-ea"/>
+              </a:rPr>
+              <a:t> distance=0</a:t>
+            </a:r>
+          </a:p>
+          <a:p>
+            <a:pPr algn="ctr"/>
+            <a:r>
+              <a:rPr lang="en-US" altLang="ja-JP" sz="1400" dirty="0" smtClean="0">
+                <a:solidFill>
+                  <a:srgbClr val="FF0000"/>
+                </a:solidFill>
+                <a:latin typeface="+mn-ea"/>
+              </a:rPr>
+              <a:t>Height=0</a:t>
+            </a:r>
+            <a:endParaRPr kumimoji="1" lang="ja-JP" altLang="en-US" sz="1400" dirty="0">
+              <a:solidFill>
+                <a:srgbClr val="FF0000"/>
+              </a:solidFill>
+              <a:latin typeface="+mn-ea"/>
+            </a:endParaRPr>
+          </a:p>
+        </p:txBody>
+      </p:sp>
+      <p:sp>
+        <p:nvSpPr>
+          <p:cNvPr id="22" name="強調線吹き出し 1 (枠付き) 21"/>
+          <p:cNvSpPr/>
+          <p:nvPr/>
+        </p:nvSpPr>
+        <p:spPr>
+          <a:xfrm>
+            <a:off x="710975" y="2755983"/>
+            <a:ext cx="3024336" cy="736041"/>
+          </a:xfrm>
+          <a:prstGeom prst="accentBorderCallout1">
+            <a:avLst>
+              <a:gd name="adj1" fmla="val 36755"/>
+              <a:gd name="adj2" fmla="val 106784"/>
+              <a:gd name="adj3" fmla="val -91204"/>
+              <a:gd name="adj4" fmla="val 132361"/>
+            </a:avLst>
+          </a:prstGeom>
+          <a:ln/>
+        </p:spPr>
+        <p:style>
+          <a:lnRef idx="2">
+            <a:schemeClr val="accent3"/>
+          </a:lnRef>
+          <a:fillRef idx="1">
+            <a:schemeClr val="lt1"/>
+          </a:fillRef>
+          <a:effectRef idx="0">
+            <a:schemeClr val="accent3"/>
+          </a:effectRef>
+          <a:fontRef idx="minor">
+            <a:schemeClr val="dk1"/>
+          </a:fontRef>
+        </p:style>
+        <p:txBody>
+          <a:bodyPr rtlCol="0" anchor="ctr"/>
+          <a:lstStyle/>
+          <a:p>
+            <a:pPr algn="ctr"/>
+            <a:r>
+              <a:rPr lang="en-US" altLang="ja-JP" sz="1600" b="1" dirty="0" err="1">
+                <a:latin typeface="+mn-ea"/>
+              </a:rPr>
+              <a:t>SearchView</a:t>
+            </a:r>
+            <a:endParaRPr lang="en-US" altLang="ja-JP" sz="1600" b="1" dirty="0">
+              <a:latin typeface="+mn-ea"/>
+            </a:endParaRPr>
+          </a:p>
+          <a:p>
+            <a:pPr algn="ctr"/>
+            <a:r>
+              <a:rPr lang="en-US" altLang="ja-JP" sz="1400" dirty="0" err="1" smtClean="0">
+                <a:solidFill>
+                  <a:schemeClr val="bg1">
+                    <a:lumMod val="75000"/>
+                  </a:schemeClr>
+                </a:solidFill>
+                <a:latin typeface="+mn-ea"/>
+              </a:rPr>
+              <a:t>TrashView</a:t>
+            </a:r>
+            <a:r>
+              <a:rPr lang="en-US" altLang="ja-JP" sz="1400" dirty="0" smtClean="0">
+                <a:solidFill>
+                  <a:schemeClr val="bg1">
+                    <a:lumMod val="75000"/>
+                  </a:schemeClr>
+                </a:solidFill>
+                <a:latin typeface="+mn-ea"/>
+              </a:rPr>
+              <a:t> distance=0</a:t>
+            </a:r>
+          </a:p>
+          <a:p>
+            <a:pPr algn="ctr"/>
+            <a:r>
+              <a:rPr lang="en-US" altLang="ja-JP" sz="1400" dirty="0" smtClean="0">
+                <a:solidFill>
                   <a:schemeClr val="tx1"/>
                 </a:solidFill>
                 <a:latin typeface="+mn-ea"/>
               </a:rPr>
-              <a:t>Height=45</a:t>
+              <a:t>Height</a:t>
+            </a:r>
+            <a:r>
+              <a:rPr lang="en-US" altLang="ja-JP" sz="1400" dirty="0" smtClean="0">
+                <a:solidFill>
+                  <a:schemeClr val="tx1"/>
+                </a:solidFill>
+                <a:latin typeface="+mn-ea"/>
+              </a:rPr>
+              <a:t>=</a:t>
+            </a:r>
+            <a:r>
+              <a:rPr lang="en-US" altLang="ja-JP" sz="1400" dirty="0" smtClean="0">
+                <a:solidFill>
+                  <a:schemeClr val="tx1"/>
+                </a:solidFill>
+                <a:latin typeface="+mn-ea"/>
+              </a:rPr>
+              <a:t>45</a:t>
             </a:r>
             <a:endParaRPr kumimoji="1" lang="ja-JP" altLang="en-US" sz="1400" dirty="0">
               <a:solidFill>
@@ -19910,10 +19946,95 @@
           </a:p>
         </p:txBody>
       </p:sp>
+      <p:sp>
+        <p:nvSpPr>
+          <p:cNvPr id="23" name="強調線吹き出し 1 (枠付き) 22"/>
+          <p:cNvSpPr/>
+          <p:nvPr/>
+        </p:nvSpPr>
+        <p:spPr>
+          <a:xfrm>
+            <a:off x="710975" y="4419527"/>
+            <a:ext cx="3024336" cy="736041"/>
+          </a:xfrm>
+          <a:prstGeom prst="accentBorderCallout1">
+            <a:avLst>
+              <a:gd name="adj1" fmla="val 36755"/>
+              <a:gd name="adj2" fmla="val 106784"/>
+              <a:gd name="adj3" fmla="val 11674"/>
+              <a:gd name="adj4" fmla="val 138358"/>
+            </a:avLst>
+          </a:prstGeom>
+          <a:ln/>
+        </p:spPr>
+        <p:style>
+          <a:lnRef idx="2">
+            <a:schemeClr val="accent3"/>
+          </a:lnRef>
+          <a:fillRef idx="1">
+            <a:schemeClr val="lt1"/>
+          </a:fillRef>
+          <a:effectRef idx="0">
+            <a:schemeClr val="accent3"/>
+          </a:effectRef>
+          <a:fontRef idx="minor">
+            <a:schemeClr val="dk1"/>
+          </a:fontRef>
+        </p:style>
+        <p:txBody>
+          <a:bodyPr rtlCol="0" anchor="ctr"/>
+          <a:lstStyle/>
+          <a:p>
+            <a:pPr algn="ctr"/>
+            <a:r>
+              <a:rPr lang="en-US" altLang="ja-JP" sz="1600" b="1" dirty="0" err="1">
+                <a:latin typeface="+mn-ea"/>
+              </a:rPr>
+              <a:t>tableView</a:t>
+            </a:r>
+            <a:endParaRPr lang="en-US" altLang="ja-JP" sz="1600" b="1" dirty="0">
+              <a:latin typeface="+mn-ea"/>
+            </a:endParaRPr>
+          </a:p>
+          <a:p>
+            <a:pPr algn="ctr"/>
+            <a:r>
+              <a:rPr kumimoji="1" lang="en-US" altLang="ja-JP" sz="1400" dirty="0" err="1" smtClean="0">
+                <a:solidFill>
+                  <a:schemeClr val="bg1">
+                    <a:lumMod val="75000"/>
+                  </a:schemeClr>
+                </a:solidFill>
+                <a:latin typeface="+mn-ea"/>
+              </a:rPr>
+              <a:t>SearchView</a:t>
+            </a:r>
+            <a:r>
+              <a:rPr kumimoji="1" lang="en-US" altLang="ja-JP" sz="1400" dirty="0" smtClean="0">
+                <a:solidFill>
+                  <a:schemeClr val="bg1">
+                    <a:lumMod val="75000"/>
+                  </a:schemeClr>
+                </a:solidFill>
+                <a:latin typeface="+mn-ea"/>
+              </a:rPr>
+              <a:t> distance=0</a:t>
+            </a:r>
+            <a:endParaRPr kumimoji="1" lang="ja-JP" altLang="en-US" sz="1400" dirty="0">
+              <a:solidFill>
+                <a:schemeClr val="bg1">
+                  <a:lumMod val="75000"/>
+                </a:schemeClr>
+              </a:solidFill>
+              <a:latin typeface="+mn-ea"/>
+            </a:endParaRPr>
+          </a:p>
+        </p:txBody>
+      </p:sp>
     </p:spTree>
     <p:extLst>
       <p:ext uri="{BB962C8B-B14F-4D97-AF65-F5344CB8AC3E}">
-        <p14:creationId xmlns:p14="http://schemas.microsoft.com/office/powerpoint/2010/main" val="3199251095"/>
+        <p14:creationId xmlns:p14="http://schemas.microsoft.com/office/powerpoint/2010/main" val="2566060832"/>
       </p:ext>
     </p:extLst>
   </p:cSld>
@@ -20203,8 +20324,8 @@
           </a:xfrm>
           <a:prstGeom prst="accentBorderCallout1">
             <a:avLst>
-              <a:gd name="adj1" fmla="val 36755"/>
-              <a:gd name="adj2" fmla="val 106784"/>
+              <a:gd name="adj1" fmla="val 35352"/>
+              <a:gd name="adj2" fmla="val 105775"/>
               <a:gd name="adj3" fmla="val 128705"/>
               <a:gd name="adj4" fmla="val 128146"/>
             </a:avLst>
@@ -23273,19 +23394,7 @@
               <a:rPr lang="ja-JP" altLang="en-US" dirty="0" smtClean="0">
                 <a:latin typeface="+mj-ea"/>
               </a:rPr>
-              <a:t>モーダルビューでのデ</a:t>
-            </a:r>
-            <a:r>
-              <a:rPr lang="ja-JP" altLang="en-US" dirty="0" smtClean="0">
-                <a:latin typeface="+mj-ea"/>
-              </a:rPr>
-              <a:t>ータ</a:t>
-            </a:r>
-            <a:r>
-              <a:rPr lang="ja-JP" altLang="en-US" dirty="0" smtClean="0">
-                <a:latin typeface="+mj-ea"/>
-              </a:rPr>
-              <a:t>の受け渡し</a:t>
+              <a:t>モーダルビューでのデータの受け渡し</a:t>
             </a:r>
             <a:endParaRPr lang="ja-JP" altLang="en-US" dirty="0">
               <a:latin typeface="+mj-ea"/>
@@ -24839,19 +24948,7 @@
               <a:rPr lang="ja-JP" altLang="en-US" dirty="0" smtClean="0">
                 <a:latin typeface="+mj-ea"/>
               </a:rPr>
-              <a:t>モーダルビューでのデ</a:t>
-            </a:r>
-            <a:r>
-              <a:rPr lang="ja-JP" altLang="en-US" dirty="0" smtClean="0">
-                <a:latin typeface="+mj-ea"/>
-              </a:rPr>
-              <a:t>ータ</a:t>
-            </a:r>
-            <a:r>
-              <a:rPr lang="ja-JP" altLang="en-US" dirty="0" smtClean="0">
-                <a:latin typeface="+mj-ea"/>
-              </a:rPr>
-              <a:t>の受け渡し</a:t>
+              <a:t>モーダルビューでのデータの受け渡し</a:t>
             </a:r>
             <a:endParaRPr lang="ja-JP" altLang="en-US" dirty="0">
               <a:latin typeface="+mj-ea"/>
@@ -26110,19 +26207,7 @@
               <a:rPr lang="ja-JP" altLang="en-US" dirty="0" smtClean="0">
                 <a:latin typeface="+mj-ea"/>
               </a:rPr>
-              <a:t>モーダルビューでのデ</a:t>
-            </a:r>
-            <a:r>
-              <a:rPr lang="ja-JP" altLang="en-US" dirty="0" smtClean="0">
-                <a:latin typeface="+mj-ea"/>
-              </a:rPr>
-              <a:t>ータ</a:t>
-            </a:r>
-            <a:r>
-              <a:rPr lang="ja-JP" altLang="en-US" dirty="0" smtClean="0">
-                <a:latin typeface="+mj-ea"/>
-              </a:rPr>
-              <a:t>の受け渡し</a:t>
+              <a:t>モーダルビューでのデータの受け渡し</a:t>
             </a:r>
             <a:endParaRPr lang="ja-JP" altLang="en-US" dirty="0">
               <a:latin typeface="+mj-ea"/>
@@ -27295,19 +27380,7 @@
               <a:rPr lang="ja-JP" altLang="en-US" dirty="0" smtClean="0">
                 <a:latin typeface="+mj-ea"/>
               </a:rPr>
-              <a:t>モーダルビューでのデ</a:t>
-            </a:r>
-            <a:r>
-              <a:rPr lang="ja-JP" altLang="en-US" dirty="0" smtClean="0">
-                <a:latin typeface="+mj-ea"/>
-              </a:rPr>
-              <a:t>ータ</a:t>
-            </a:r>
-            <a:r>
-              <a:rPr lang="ja-JP" altLang="en-US" dirty="0" smtClean="0">
-                <a:latin typeface="+mj-ea"/>
-              </a:rPr>
-              <a:t>の受け渡し</a:t>
+              <a:t>モーダルビューでのデータの受け渡し</a:t>
             </a:r>
             <a:endParaRPr lang="ja-JP" altLang="en-US" dirty="0">
               <a:latin typeface="+mj-ea"/>
@@ -28833,19 +28906,7 @@
               <a:rPr lang="ja-JP" altLang="en-US" dirty="0" smtClean="0">
                 <a:latin typeface="+mj-ea"/>
               </a:rPr>
-              <a:t>モーダルビューでのデ</a:t>
-            </a:r>
-            <a:r>
-              <a:rPr lang="ja-JP" altLang="en-US" dirty="0" smtClean="0">
-                <a:latin typeface="+mj-ea"/>
-              </a:rPr>
-              <a:t>ータ</a:t>
-            </a:r>
-            <a:r>
-              <a:rPr lang="ja-JP" altLang="en-US" dirty="0" smtClean="0">
-                <a:latin typeface="+mj-ea"/>
-              </a:rPr>
-              <a:t>の受け渡し</a:t>
+              <a:t>モーダルビューでのデータの受け渡し</a:t>
             </a:r>
             <a:endParaRPr lang="ja-JP" altLang="en-US" dirty="0">
               <a:latin typeface="+mj-ea"/>
@@ -35205,21 +35266,7 @@
                 <a:latin typeface="+mj-ea"/>
                 <a:ea typeface="+mj-ea"/>
               </a:rPr>
-              <a:t>外部</a:t>
-            </a:r>
-            <a:r>
-              <a:rPr lang="ja-JP" altLang="en-US" dirty="0" smtClean="0">
-                <a:latin typeface="+mj-ea"/>
-                <a:ea typeface="+mj-ea"/>
-              </a:rPr>
-              <a:t>スキーム</a:t>
-            </a:r>
-            <a:r>
-              <a:rPr lang="ja-JP" altLang="en-US" dirty="0" smtClean="0">
-                <a:latin typeface="+mj-ea"/>
-                <a:ea typeface="+mj-ea"/>
-              </a:rPr>
-              <a:t>（</a:t>
+              <a:t>外部スキーム（</a:t>
             </a:r>
             <a:r>
               <a:rPr lang="en-US" altLang="ja-JP" dirty="0" smtClean="0">

--- a/doc/ToDoApp.pptx
+++ b/doc/ToDoApp.pptx
@@ -230,7 +230,7 @@
           <a:p>
             <a:fld id="{8D98605B-939F-664A-B1D2-05C9A1E4A004}" type="datetimeFigureOut">
               <a:rPr kumimoji="1" lang="ja-JP" altLang="en-US" smtClean="0"/>
-              <a:t>15/07/27</a:t>
+              <a:t>15/07/29</a:t>
             </a:fld>
             <a:endParaRPr kumimoji="1" lang="ja-JP" altLang="en-US"/>
           </a:p>
@@ -1047,7 +1047,7 @@
           <a:p>
             <a:fld id="{0197B04C-B897-9248-A3D9-9A5350EB0E1E}" type="datetimeFigureOut">
               <a:rPr kumimoji="1" lang="ja-JP" altLang="en-US" smtClean="0"/>
-              <a:t>15/07/27</a:t>
+              <a:t>15/07/29</a:t>
             </a:fld>
             <a:endParaRPr kumimoji="1" lang="ja-JP" altLang="en-US"/>
           </a:p>
@@ -1249,7 +1249,7 @@
           <a:p>
             <a:fld id="{0197B04C-B897-9248-A3D9-9A5350EB0E1E}" type="datetimeFigureOut">
               <a:rPr kumimoji="1" lang="ja-JP" altLang="en-US" smtClean="0"/>
-              <a:t>15/07/27</a:t>
+              <a:t>15/07/29</a:t>
             </a:fld>
             <a:endParaRPr kumimoji="1" lang="ja-JP" altLang="en-US"/>
           </a:p>
@@ -1461,7 +1461,7 @@
           <a:p>
             <a:fld id="{0197B04C-B897-9248-A3D9-9A5350EB0E1E}" type="datetimeFigureOut">
               <a:rPr kumimoji="1" lang="ja-JP" altLang="en-US" smtClean="0"/>
-              <a:t>15/07/27</a:t>
+              <a:t>15/07/29</a:t>
             </a:fld>
             <a:endParaRPr kumimoji="1" lang="ja-JP" altLang="en-US"/>
           </a:p>
@@ -1663,7 +1663,7 @@
           <a:p>
             <a:fld id="{0197B04C-B897-9248-A3D9-9A5350EB0E1E}" type="datetimeFigureOut">
               <a:rPr kumimoji="1" lang="ja-JP" altLang="en-US" smtClean="0"/>
-              <a:t>15/07/27</a:t>
+              <a:t>15/07/29</a:t>
             </a:fld>
             <a:endParaRPr kumimoji="1" lang="ja-JP" altLang="en-US"/>
           </a:p>
@@ -1909,7 +1909,7 @@
           <a:p>
             <a:fld id="{0197B04C-B897-9248-A3D9-9A5350EB0E1E}" type="datetimeFigureOut">
               <a:rPr kumimoji="1" lang="ja-JP" altLang="en-US" smtClean="0"/>
-              <a:t>15/07/27</a:t>
+              <a:t>15/07/29</a:t>
             </a:fld>
             <a:endParaRPr kumimoji="1" lang="ja-JP" altLang="en-US"/>
           </a:p>
@@ -2261,7 +2261,7 @@
           <a:p>
             <a:fld id="{0197B04C-B897-9248-A3D9-9A5350EB0E1E}" type="datetimeFigureOut">
               <a:rPr kumimoji="1" lang="ja-JP" altLang="en-US" smtClean="0"/>
-              <a:t>15/07/27</a:t>
+              <a:t>15/07/29</a:t>
             </a:fld>
             <a:endParaRPr kumimoji="1" lang="ja-JP" altLang="en-US"/>
           </a:p>
@@ -2747,7 +2747,7 @@
           <a:p>
             <a:fld id="{0197B04C-B897-9248-A3D9-9A5350EB0E1E}" type="datetimeFigureOut">
               <a:rPr kumimoji="1" lang="ja-JP" altLang="en-US" smtClean="0"/>
-              <a:t>15/07/27</a:t>
+              <a:t>15/07/29</a:t>
             </a:fld>
             <a:endParaRPr kumimoji="1" lang="ja-JP" altLang="en-US"/>
           </a:p>
@@ -2865,7 +2865,7 @@
           <a:p>
             <a:fld id="{0197B04C-B897-9248-A3D9-9A5350EB0E1E}" type="datetimeFigureOut">
               <a:rPr kumimoji="1" lang="ja-JP" altLang="en-US" smtClean="0"/>
-              <a:t>15/07/27</a:t>
+              <a:t>15/07/29</a:t>
             </a:fld>
             <a:endParaRPr kumimoji="1" lang="ja-JP" altLang="en-US"/>
           </a:p>
@@ -2960,7 +2960,7 @@
           <a:p>
             <a:fld id="{0197B04C-B897-9248-A3D9-9A5350EB0E1E}" type="datetimeFigureOut">
               <a:rPr kumimoji="1" lang="ja-JP" altLang="en-US" smtClean="0"/>
-              <a:t>15/07/27</a:t>
+              <a:t>15/07/29</a:t>
             </a:fld>
             <a:endParaRPr kumimoji="1" lang="ja-JP" altLang="en-US"/>
           </a:p>
@@ -3269,7 +3269,7 @@
           <a:p>
             <a:fld id="{0197B04C-B897-9248-A3D9-9A5350EB0E1E}" type="datetimeFigureOut">
               <a:rPr kumimoji="1" lang="ja-JP" altLang="en-US" smtClean="0"/>
-              <a:t>15/07/27</a:t>
+              <a:t>15/07/29</a:t>
             </a:fld>
             <a:endParaRPr kumimoji="1" lang="ja-JP" altLang="en-US"/>
           </a:p>
@@ -3522,7 +3522,7 @@
           <a:p>
             <a:fld id="{0197B04C-B897-9248-A3D9-9A5350EB0E1E}" type="datetimeFigureOut">
               <a:rPr kumimoji="1" lang="ja-JP" altLang="en-US" smtClean="0"/>
-              <a:t>15/07/27</a:t>
+              <a:t>15/07/29</a:t>
             </a:fld>
             <a:endParaRPr kumimoji="1" lang="ja-JP" altLang="en-US"/>
           </a:p>
@@ -3767,7 +3767,7 @@
           <a:p>
             <a:fld id="{0197B04C-B897-9248-A3D9-9A5350EB0E1E}" type="datetimeFigureOut">
               <a:rPr kumimoji="1" lang="ja-JP" altLang="en-US" smtClean="0"/>
-              <a:t>15/07/27</a:t>
+              <a:t>15/07/29</a:t>
             </a:fld>
             <a:endParaRPr kumimoji="1" lang="ja-JP" altLang="en-US"/>
           </a:p>
@@ -15628,7 +15628,7 @@
       </p:grpSpPr>
       <p:pic>
         <p:nvPicPr>
-          <p:cNvPr id="1033" name="Picture 9"/>
+          <p:cNvPr id="1029" name="Picture 5"/>
           <p:cNvPicPr>
             <a:picLocks noChangeAspect="1" noChangeArrowheads="1"/>
           </p:cNvPicPr>
@@ -15649,8 +15649,8 @@
         </p:blipFill>
         <p:spPr bwMode="auto">
           <a:xfrm>
-            <a:off x="955899" y="5324197"/>
-            <a:ext cx="2176239" cy="1564171"/>
+            <a:off x="4560777" y="1139098"/>
+            <a:ext cx="4321175" cy="1205160"/>
           </a:xfrm>
           <a:prstGeom prst="rect">
             <a:avLst/>
@@ -15685,9 +15685,133 @@
           </a:extLst>
         </p:spPr>
       </p:pic>
+      <p:sp>
+        <p:nvSpPr>
+          <p:cNvPr id="4" name="テキスト ボックス 3"/>
+          <p:cNvSpPr txBox="1"/>
+          <p:nvPr/>
+        </p:nvSpPr>
+        <p:spPr>
+          <a:xfrm>
+            <a:off x="250825" y="188913"/>
+            <a:ext cx="8300484" cy="584776"/>
+          </a:xfrm>
+          <a:prstGeom prst="rect">
+            <a:avLst/>
+          </a:prstGeom>
+          <a:noFill/>
+        </p:spPr>
+        <p:txBody>
+          <a:bodyPr wrap="square" rtlCol="0">
+            <a:spAutoFit/>
+          </a:bodyPr>
+          <a:lstStyle/>
+          <a:p>
+            <a:r>
+              <a:rPr lang="en-US" altLang="ja-JP" sz="3200" dirty="0" smtClean="0">
+                <a:latin typeface="+mj-ea"/>
+                <a:ea typeface="+mj-ea"/>
+              </a:rPr>
+              <a:t>Swift</a:t>
+            </a:r>
+            <a:r>
+              <a:rPr lang="ja-JP" altLang="en-US" sz="3200" dirty="0" smtClean="0">
+                <a:latin typeface="+mj-ea"/>
+                <a:ea typeface="+mj-ea"/>
+              </a:rPr>
+              <a:t>による、</a:t>
+            </a:r>
+            <a:r>
+              <a:rPr lang="en-US" altLang="ja-JP" sz="3200" dirty="0" err="1" smtClean="0">
+                <a:latin typeface="+mj-ea"/>
+                <a:ea typeface="+mj-ea"/>
+              </a:rPr>
+              <a:t>ToDo</a:t>
+            </a:r>
+            <a:r>
+              <a:rPr lang="ja-JP" altLang="en-US" sz="3200" dirty="0" smtClean="0">
+                <a:latin typeface="+mj-ea"/>
+                <a:ea typeface="+mj-ea"/>
+              </a:rPr>
+              <a:t>アプリの簡易版</a:t>
+            </a:r>
+            <a:endParaRPr kumimoji="1" lang="ja-JP" altLang="en-US" sz="3200" dirty="0">
+              <a:latin typeface="+mj-ea"/>
+              <a:ea typeface="+mj-ea"/>
+            </a:endParaRPr>
+          </a:p>
+        </p:txBody>
+      </p:sp>
+      <p:sp>
+        <p:nvSpPr>
+          <p:cNvPr id="2" name="テキスト ボックス 1"/>
+          <p:cNvSpPr txBox="1"/>
+          <p:nvPr/>
+        </p:nvSpPr>
+        <p:spPr>
+          <a:xfrm>
+            <a:off x="228846" y="1697927"/>
+            <a:ext cx="5624960" cy="1292662"/>
+          </a:xfrm>
+          <a:prstGeom prst="rect">
+            <a:avLst/>
+          </a:prstGeom>
+          <a:noFill/>
+        </p:spPr>
+        <p:txBody>
+          <a:bodyPr wrap="square" rtlCol="0">
+            <a:spAutoFit/>
+          </a:bodyPr>
+          <a:lstStyle/>
+          <a:p>
+            <a:r>
+              <a:rPr lang="en-US" altLang="ja-JP" sz="2400" dirty="0" smtClean="0">
+                <a:latin typeface="+mn-ea"/>
+              </a:rPr>
+              <a:t>1 </a:t>
+            </a:r>
+            <a:r>
+              <a:rPr lang="en-US" altLang="ja-JP" sz="2400" dirty="0" err="1" smtClean="0">
+                <a:latin typeface="+mn-ea"/>
+              </a:rPr>
+              <a:t>WebAPI</a:t>
+            </a:r>
+            <a:r>
+              <a:rPr lang="en-US" altLang="ja-JP" sz="2400" dirty="0" smtClean="0">
+                <a:latin typeface="+mn-ea"/>
+              </a:rPr>
+              <a:t>(REST API + JSON)</a:t>
+            </a:r>
+          </a:p>
+          <a:p>
+            <a:r>
+              <a:rPr kumimoji="1" lang="ja-JP" altLang="en-US" dirty="0">
+                <a:latin typeface="+mn-ea"/>
+              </a:rPr>
+              <a:t>　</a:t>
+            </a:r>
+            <a:r>
+              <a:rPr kumimoji="1" lang="en-US" altLang="ja-JP" dirty="0" smtClean="0">
+                <a:latin typeface="+mn-ea"/>
+              </a:rPr>
+              <a:t>Parse.com</a:t>
+            </a:r>
+          </a:p>
+          <a:p>
+            <a:endParaRPr kumimoji="1" lang="en-US" altLang="ja-JP" dirty="0" smtClean="0">
+              <a:latin typeface="+mn-ea"/>
+            </a:endParaRPr>
+          </a:p>
+          <a:p>
+            <a:endParaRPr lang="en-US" altLang="ja-JP" dirty="0" smtClean="0">
+              <a:latin typeface="+mn-ea"/>
+            </a:endParaRPr>
+          </a:p>
+        </p:txBody>
+      </p:sp>
       <p:pic>
         <p:nvPicPr>
-          <p:cNvPr id="1029" name="Picture 5"/>
+          <p:cNvPr id="1026" name="Picture 2"/>
           <p:cNvPicPr>
             <a:picLocks noChangeAspect="1" noChangeArrowheads="1"/>
           </p:cNvPicPr>
@@ -15708,8 +15832,8 @@
         </p:blipFill>
         <p:spPr bwMode="auto">
           <a:xfrm>
-            <a:off x="4560777" y="1139098"/>
-            <a:ext cx="4321175" cy="1205160"/>
+            <a:off x="6011862" y="707843"/>
+            <a:ext cx="2320853" cy="2067669"/>
           </a:xfrm>
           <a:prstGeom prst="rect">
             <a:avLst/>
@@ -15746,14 +15870,14 @@
       </p:pic>
       <p:sp>
         <p:nvSpPr>
-          <p:cNvPr id="4" name="テキスト ボックス 3"/>
+          <p:cNvPr id="5" name="テキスト ボックス 4"/>
           <p:cNvSpPr txBox="1"/>
           <p:nvPr/>
         </p:nvSpPr>
         <p:spPr>
           <a:xfrm>
-            <a:off x="250825" y="188913"/>
-            <a:ext cx="8300484" cy="584776"/>
+            <a:off x="244939" y="2801048"/>
+            <a:ext cx="7207381" cy="523220"/>
           </a:xfrm>
           <a:prstGeom prst="rect">
             <a:avLst/>
@@ -15767,50 +15891,45 @@
           <a:lstStyle/>
           <a:p>
             <a:r>
-              <a:rPr lang="en-US" altLang="ja-JP" sz="3200" dirty="0" smtClean="0">
-                <a:latin typeface="+mj-ea"/>
-                <a:ea typeface="+mj-ea"/>
-              </a:rPr>
-              <a:t>Swift</a:t>
-            </a:r>
-            <a:r>
-              <a:rPr lang="ja-JP" altLang="en-US" sz="3200" dirty="0" smtClean="0">
-                <a:latin typeface="+mj-ea"/>
-                <a:ea typeface="+mj-ea"/>
-              </a:rPr>
-              <a:t>による、</a:t>
-            </a:r>
-            <a:r>
-              <a:rPr lang="en-US" altLang="ja-JP" sz="3200" dirty="0" err="1" smtClean="0">
-                <a:latin typeface="+mj-ea"/>
-                <a:ea typeface="+mj-ea"/>
-              </a:rPr>
-              <a:t>ToDo</a:t>
-            </a:r>
-            <a:r>
-              <a:rPr lang="ja-JP" altLang="en-US" sz="3200" dirty="0" smtClean="0">
-                <a:latin typeface="+mj-ea"/>
-                <a:ea typeface="+mj-ea"/>
-              </a:rPr>
-              <a:t>アプリの簡易版</a:t>
-            </a:r>
-            <a:endParaRPr kumimoji="1" lang="ja-JP" altLang="en-US" sz="3200" dirty="0">
-              <a:latin typeface="+mj-ea"/>
-              <a:ea typeface="+mj-ea"/>
+              <a:rPr kumimoji="1" lang="en-US" altLang="ja-JP" sz="2800" dirty="0" smtClean="0">
+                <a:latin typeface="+mn-ea"/>
+              </a:rPr>
+              <a:t>2 </a:t>
+            </a:r>
+            <a:r>
+              <a:rPr kumimoji="1" lang="ja-JP" altLang="en-US" sz="2800" dirty="0" smtClean="0">
+                <a:latin typeface="+mn-ea"/>
+              </a:rPr>
+              <a:t>タスクの入力 ＋ 一覧</a:t>
+            </a:r>
+            <a:r>
+              <a:rPr lang="en-US" altLang="ja-JP" sz="2800" dirty="0" smtClean="0">
+                <a:latin typeface="+mn-ea"/>
+              </a:rPr>
+              <a:t> </a:t>
+            </a:r>
+            <a:r>
+              <a:rPr kumimoji="1" lang="ja-JP" altLang="en-US" sz="2800" dirty="0" smtClean="0">
+                <a:latin typeface="+mn-ea"/>
+              </a:rPr>
+              <a:t> ＋ 画面遷移</a:t>
+            </a:r>
+            <a:endParaRPr kumimoji="1" lang="en-US" altLang="ja-JP" sz="2800" dirty="0" smtClean="0">
+              <a:latin typeface="+mn-ea"/>
             </a:endParaRPr>
           </a:p>
         </p:txBody>
       </p:sp>
       <p:sp>
         <p:nvSpPr>
-          <p:cNvPr id="2" name="テキスト ボックス 1"/>
+          <p:cNvPr id="6" name="テキスト ボックス 5"/>
           <p:cNvSpPr txBox="1"/>
           <p:nvPr/>
         </p:nvSpPr>
         <p:spPr>
           <a:xfrm>
-            <a:off x="228846" y="1697927"/>
-            <a:ext cx="5624960" cy="1292662"/>
+            <a:off x="276240" y="3705998"/>
+            <a:ext cx="5617319" cy="1354217"/>
           </a:xfrm>
           <a:prstGeom prst="rect">
             <a:avLst/>
@@ -15824,44 +15943,71 @@
           <a:lstStyle/>
           <a:p>
             <a:r>
-              <a:rPr lang="en-US" altLang="ja-JP" sz="2400" dirty="0" smtClean="0">
-                <a:latin typeface="+mn-ea"/>
-              </a:rPr>
-              <a:t>1 </a:t>
-            </a:r>
-            <a:r>
-              <a:rPr lang="en-US" altLang="ja-JP" sz="2400" dirty="0" err="1" smtClean="0">
-                <a:latin typeface="+mn-ea"/>
-              </a:rPr>
-              <a:t>WebAPI</a:t>
-            </a:r>
-            <a:r>
-              <a:rPr lang="en-US" altLang="ja-JP" sz="2400" dirty="0" smtClean="0">
-                <a:latin typeface="+mn-ea"/>
-              </a:rPr>
-              <a:t>(REST API + JSON)</a:t>
-            </a:r>
-          </a:p>
-          <a:p>
-            <a:r>
-              <a:rPr kumimoji="1" lang="ja-JP" altLang="en-US" dirty="0">
-                <a:latin typeface="+mn-ea"/>
-              </a:rPr>
-              <a:t>　</a:t>
-            </a:r>
+              <a:rPr lang="en-US" altLang="ja-JP" sz="2800" dirty="0" smtClean="0">
+                <a:latin typeface="+mn-ea"/>
+              </a:rPr>
+              <a:t>3 OSS</a:t>
+            </a:r>
+          </a:p>
+          <a:p>
             <a:r>
               <a:rPr kumimoji="1" lang="en-US" altLang="ja-JP" dirty="0" smtClean="0">
                 <a:latin typeface="+mn-ea"/>
               </a:rPr>
-              <a:t>Parse.com</a:t>
-            </a:r>
-          </a:p>
-          <a:p>
+              <a:t>  </a:t>
+            </a:r>
+            <a:r>
+              <a:rPr lang="en-US" altLang="ja-JP" dirty="0" err="1">
+                <a:latin typeface="+mn-ea"/>
+              </a:rPr>
+              <a:t>SwiftData</a:t>
+            </a:r>
+            <a:endParaRPr lang="ja-JP" altLang="en-US" dirty="0">
+              <a:latin typeface="+mn-ea"/>
+            </a:endParaRPr>
+          </a:p>
+          <a:p>
+            <a:r>
+              <a:rPr lang="ja-JP" altLang="en-US" dirty="0">
+                <a:latin typeface="+mn-ea"/>
+              </a:rPr>
+              <a:t> </a:t>
+            </a:r>
+            <a:r>
+              <a:rPr lang="ja-JP" altLang="en-US" dirty="0" smtClean="0">
+                <a:latin typeface="+mn-ea"/>
+              </a:rPr>
+              <a:t> </a:t>
+            </a:r>
+            <a:r>
+              <a:rPr lang="en-US" altLang="ja-JP" dirty="0" err="1" smtClean="0">
+                <a:latin typeface="+mn-ea"/>
+              </a:rPr>
+              <a:t>A</a:t>
+            </a:r>
+            <a:r>
+              <a:rPr kumimoji="1" lang="en-US" altLang="ja-JP" dirty="0" err="1" smtClean="0">
+                <a:latin typeface="+mn-ea"/>
+              </a:rPr>
+              <a:t>lamofire</a:t>
+            </a:r>
             <a:endParaRPr kumimoji="1" lang="en-US" altLang="ja-JP" dirty="0" smtClean="0">
               <a:latin typeface="+mn-ea"/>
             </a:endParaRPr>
           </a:p>
           <a:p>
+            <a:r>
+              <a:rPr lang="en-US" altLang="ja-JP" dirty="0" smtClean="0">
+                <a:latin typeface="+mn-ea"/>
+              </a:rPr>
+              <a:t>  </a:t>
+            </a:r>
+            <a:r>
+              <a:rPr lang="en-US" altLang="ja-JP" dirty="0" err="1" smtClean="0">
+                <a:latin typeface="+mn-ea"/>
+              </a:rPr>
+              <a:t>SwiftyJSON</a:t>
+            </a:r>
             <a:endParaRPr lang="en-US" altLang="ja-JP" dirty="0" smtClean="0">
               <a:latin typeface="+mn-ea"/>
             </a:endParaRPr>
@@ -15870,7 +16016,7 @@
       </p:sp>
       <p:pic>
         <p:nvPicPr>
-          <p:cNvPr id="1026" name="Picture 2"/>
+          <p:cNvPr id="1030" name="Picture 6"/>
           <p:cNvPicPr>
             <a:picLocks noChangeAspect="1" noChangeArrowheads="1"/>
           </p:cNvPicPr>
@@ -15891,8 +16037,8 @@
         </p:blipFill>
         <p:spPr bwMode="auto">
           <a:xfrm>
-            <a:off x="6011862" y="707843"/>
-            <a:ext cx="2320853" cy="2067669"/>
+            <a:off x="5302216" y="3429000"/>
+            <a:ext cx="2601593" cy="4791053"/>
           </a:xfrm>
           <a:prstGeom prst="rect">
             <a:avLst/>
@@ -15902,8 +16048,10 @@
             <a:noFill/>
           </a:ln>
           <a:effectLst>
-            <a:outerShdw dist="35921" dir="2700000" algn="ctr" rotWithShape="0">
-              <a:schemeClr val="bg2"/>
+            <a:outerShdw blurRad="63500" sx="102000" sy="102000" algn="ctr" rotWithShape="0">
+              <a:prstClr val="black">
+                <a:alpha val="40000"/>
+              </a:prstClr>
             </a:outerShdw>
           </a:effectLst>
           <a:extLst>
@@ -15927,155 +16075,9 @@
           </a:extLst>
         </p:spPr>
       </p:pic>
-      <p:sp>
-        <p:nvSpPr>
-          <p:cNvPr id="5" name="テキスト ボックス 4"/>
-          <p:cNvSpPr txBox="1"/>
-          <p:nvPr/>
-        </p:nvSpPr>
-        <p:spPr>
-          <a:xfrm>
-            <a:off x="244939" y="2801048"/>
-            <a:ext cx="7207381" cy="523220"/>
-          </a:xfrm>
-          <a:prstGeom prst="rect">
-            <a:avLst/>
-          </a:prstGeom>
-          <a:noFill/>
-        </p:spPr>
-        <p:txBody>
-          <a:bodyPr wrap="square" rtlCol="0">
-            <a:spAutoFit/>
-          </a:bodyPr>
-          <a:lstStyle/>
-          <a:p>
-            <a:r>
-              <a:rPr kumimoji="1" lang="en-US" altLang="ja-JP" sz="2800" dirty="0" smtClean="0">
-                <a:latin typeface="+mn-ea"/>
-              </a:rPr>
-              <a:t>2 </a:t>
-            </a:r>
-            <a:r>
-              <a:rPr kumimoji="1" lang="ja-JP" altLang="en-US" sz="2800" dirty="0" smtClean="0">
-                <a:latin typeface="+mn-ea"/>
-              </a:rPr>
-              <a:t>タスクの入力 ＋ 一覧</a:t>
-            </a:r>
-            <a:r>
-              <a:rPr lang="en-US" altLang="ja-JP" sz="2800" dirty="0" smtClean="0">
-                <a:latin typeface="+mn-ea"/>
-              </a:rPr>
-              <a:t> </a:t>
-            </a:r>
-            <a:r>
-              <a:rPr kumimoji="1" lang="ja-JP" altLang="en-US" sz="2800" dirty="0" smtClean="0">
-                <a:latin typeface="+mn-ea"/>
-              </a:rPr>
-              <a:t> ＋ 画面遷移</a:t>
-            </a:r>
-            <a:endParaRPr kumimoji="1" lang="en-US" altLang="ja-JP" sz="2800" dirty="0" smtClean="0">
-              <a:latin typeface="+mn-ea"/>
-            </a:endParaRPr>
-          </a:p>
-        </p:txBody>
-      </p:sp>
-      <p:sp>
-        <p:nvSpPr>
-          <p:cNvPr id="6" name="テキスト ボックス 5"/>
-          <p:cNvSpPr txBox="1"/>
-          <p:nvPr/>
-        </p:nvSpPr>
-        <p:spPr>
-          <a:xfrm>
-            <a:off x="276240" y="3705998"/>
-            <a:ext cx="5617319" cy="1354217"/>
-          </a:xfrm>
-          <a:prstGeom prst="rect">
-            <a:avLst/>
-          </a:prstGeom>
-          <a:noFill/>
-        </p:spPr>
-        <p:txBody>
-          <a:bodyPr wrap="square" rtlCol="0">
-            <a:spAutoFit/>
-          </a:bodyPr>
-          <a:lstStyle/>
-          <a:p>
-            <a:r>
-              <a:rPr lang="en-US" altLang="ja-JP" sz="2800" dirty="0" smtClean="0">
-                <a:latin typeface="+mn-ea"/>
-              </a:rPr>
-              <a:t>3 OSS</a:t>
-            </a:r>
-          </a:p>
-          <a:p>
-            <a:r>
-              <a:rPr kumimoji="1" lang="en-US" altLang="ja-JP" dirty="0" smtClean="0">
-                <a:latin typeface="+mn-ea"/>
-              </a:rPr>
-              <a:t>  </a:t>
-            </a:r>
-            <a:r>
-              <a:rPr lang="en-US" altLang="ja-JP" dirty="0" err="1">
-                <a:latin typeface="+mn-ea"/>
-              </a:rPr>
-              <a:t>SwiftData</a:t>
-            </a:r>
-            <a:endParaRPr lang="ja-JP" altLang="en-US" dirty="0">
-              <a:latin typeface="+mn-ea"/>
-            </a:endParaRPr>
-          </a:p>
-          <a:p>
-            <a:r>
-              <a:rPr lang="ja-JP" altLang="en-US" dirty="0">
-                <a:latin typeface="+mn-ea"/>
-              </a:rPr>
-              <a:t> </a:t>
-            </a:r>
-            <a:r>
-              <a:rPr lang="ja-JP" altLang="en-US" dirty="0" smtClean="0">
-                <a:latin typeface="+mn-ea"/>
-              </a:rPr>
-              <a:t> </a:t>
-            </a:r>
-            <a:r>
-              <a:rPr lang="en-US" altLang="ja-JP" dirty="0" err="1" smtClean="0">
-                <a:latin typeface="+mn-ea"/>
-              </a:rPr>
-              <a:t>A</a:t>
-            </a:r>
-            <a:r>
-              <a:rPr kumimoji="1" lang="en-US" altLang="ja-JP" dirty="0" err="1" smtClean="0">
-                <a:latin typeface="+mn-ea"/>
-              </a:rPr>
-              <a:t>lamofire</a:t>
-            </a:r>
-            <a:endParaRPr kumimoji="1" lang="en-US" altLang="ja-JP" dirty="0" smtClean="0">
-              <a:latin typeface="+mn-ea"/>
-            </a:endParaRPr>
-          </a:p>
-          <a:p>
-            <a:r>
-              <a:rPr lang="en-US" altLang="ja-JP" dirty="0" smtClean="0">
-                <a:latin typeface="+mn-ea"/>
-              </a:rPr>
-              <a:t>  </a:t>
-            </a:r>
-            <a:r>
-              <a:rPr lang="en-US" altLang="ja-JP" dirty="0" err="1" smtClean="0">
-                <a:latin typeface="+mn-ea"/>
-              </a:rPr>
-              <a:t>SwiftyJSON</a:t>
-            </a:r>
-            <a:endParaRPr lang="en-US" altLang="ja-JP" dirty="0" smtClean="0">
-              <a:latin typeface="+mn-ea"/>
-            </a:endParaRPr>
-          </a:p>
-        </p:txBody>
-      </p:sp>
       <p:pic>
         <p:nvPicPr>
-          <p:cNvPr id="1030" name="Picture 6"/>
+          <p:cNvPr id="1031" name="Picture 7"/>
           <p:cNvPicPr>
             <a:picLocks noChangeAspect="1" noChangeArrowheads="1"/>
           </p:cNvPicPr>
@@ -16096,8 +16098,8 @@
         </p:blipFill>
         <p:spPr bwMode="auto">
           <a:xfrm>
-            <a:off x="4553009" y="3429000"/>
-            <a:ext cx="2601593" cy="4791053"/>
+            <a:off x="6766142" y="4517290"/>
+            <a:ext cx="2405831" cy="4401490"/>
           </a:xfrm>
           <a:prstGeom prst="rect">
             <a:avLst/>
@@ -16134,67 +16136,6 @@
           </a:extLst>
         </p:spPr>
       </p:pic>
-      <p:pic>
-        <p:nvPicPr>
-          <p:cNvPr id="1031" name="Picture 7"/>
-          <p:cNvPicPr>
-            <a:picLocks noChangeAspect="1" noChangeArrowheads="1"/>
-          </p:cNvPicPr>
-          <p:nvPr/>
-        </p:nvPicPr>
-        <p:blipFill>
-          <a:blip r:embed="rId6">
-            <a:extLst>
-              <a:ext uri="{28A0092B-C50C-407E-A947-70E740481C1C}">
-                <a14:useLocalDpi xmlns:a14="http://schemas.microsoft.com/office/drawing/2010/main" val="0"/>
-              </a:ext>
-            </a:extLst>
-          </a:blip>
-          <a:srcRect/>
-          <a:stretch>
-            <a:fillRect/>
-          </a:stretch>
-        </p:blipFill>
-        <p:spPr bwMode="auto">
-          <a:xfrm>
-            <a:off x="6016935" y="4517290"/>
-            <a:ext cx="2405831" cy="4401490"/>
-          </a:xfrm>
-          <a:prstGeom prst="rect">
-            <a:avLst/>
-          </a:prstGeom>
-          <a:noFill/>
-          <a:ln>
-            <a:noFill/>
-          </a:ln>
-          <a:effectLst>
-            <a:outerShdw blurRad="63500" sx="102000" sy="102000" algn="ctr" rotWithShape="0">
-              <a:prstClr val="black">
-                <a:alpha val="40000"/>
-              </a:prstClr>
-            </a:outerShdw>
-          </a:effectLst>
-          <a:extLst>
-            <a:ext uri="{909E8E84-426E-40dd-AFC4-6F175D3DCCD1}">
-              <a14:hiddenFill xmlns:a14="http://schemas.microsoft.com/office/drawing/2010/main">
-                <a:solidFill>
-                  <a:schemeClr val="accent1"/>
-                </a:solidFill>
-              </a14:hiddenFill>
-            </a:ext>
-            <a:ext uri="{91240B29-F687-4f45-9708-019B960494DF}">
-              <a14:hiddenLine xmlns:a14="http://schemas.microsoft.com/office/drawing/2010/main" w="9525">
-                <a:solidFill>
-                  <a:schemeClr val="tx1"/>
-                </a:solidFill>
-                <a:miter lim="800000"/>
-                <a:headEnd/>
-                <a:tailEnd/>
-              </a14:hiddenLine>
-            </a:ext>
-          </a:extLst>
-        </p:spPr>
-      </p:pic>
       <p:sp>
         <p:nvSpPr>
           <p:cNvPr id="7" name="角丸四角形 6"/>
@@ -16203,7 +16144,7 @@
         </p:nvSpPr>
         <p:spPr>
           <a:xfrm>
-            <a:off x="4221698" y="3947126"/>
+            <a:off x="4970905" y="3947126"/>
             <a:ext cx="3079010" cy="435981"/>
           </a:xfrm>
           <a:prstGeom prst="roundRect">
@@ -16247,7 +16188,7 @@
         </p:nvSpPr>
         <p:spPr>
           <a:xfrm rot="5400000">
-            <a:off x="5093010" y="4728593"/>
+            <a:off x="5842217" y="4728593"/>
             <a:ext cx="803998" cy="797099"/>
           </a:xfrm>
           <a:prstGeom prst="bentUpArrow">
@@ -16281,6 +16222,30 @@
           </a:p>
         </p:txBody>
       </p:sp>
+      <p:pic>
+        <p:nvPicPr>
+          <p:cNvPr id="3" name="図 2"/>
+          <p:cNvPicPr>
+            <a:picLocks noChangeAspect="1"/>
+          </p:cNvPicPr>
+          <p:nvPr/>
+        </p:nvPicPr>
+        <p:blipFill>
+          <a:blip r:embed="rId6"/>
+          <a:stretch>
+            <a:fillRect/>
+          </a:stretch>
+        </p:blipFill>
+        <p:spPr>
+          <a:xfrm>
+            <a:off x="2170129" y="3705998"/>
+            <a:ext cx="1924017" cy="2926788"/>
+          </a:xfrm>
+          <a:prstGeom prst="rect">
+            <a:avLst/>
+          </a:prstGeom>
+        </p:spPr>
+      </p:pic>
     </p:spTree>
     <p:extLst>
       <p:ext uri="{BB962C8B-B14F-4D97-AF65-F5344CB8AC3E}">
@@ -17704,25 +17669,13 @@
               <a:rPr lang="ja-JP" altLang="en-US" dirty="0" smtClean="0">
                 <a:latin typeface="+mj-ea"/>
               </a:rPr>
-              <a:t>重要</a:t>
-            </a:r>
-            <a:r>
-              <a:rPr lang="ja-JP" altLang="en-US" dirty="0" smtClean="0">
-                <a:latin typeface="+mj-ea"/>
-              </a:rPr>
-              <a:t>（</a:t>
+              <a:t>重要（</a:t>
             </a:r>
             <a:r>
               <a:rPr lang="en-US" altLang="ja-JP" dirty="0" smtClean="0">
                 <a:latin typeface="+mj-ea"/>
               </a:rPr>
-              <a:t>.</a:t>
-            </a:r>
-            <a:r>
-              <a:rPr lang="en-US" altLang="ja-JP" dirty="0" smtClean="0">
-                <a:latin typeface="+mj-ea"/>
-              </a:rPr>
-              <a:t>Mark</a:t>
+              <a:t>.Mark</a:t>
             </a:r>
             <a:r>
               <a:rPr lang="ja-JP" altLang="en-US" dirty="0" smtClean="0">
@@ -18030,25 +17983,7 @@
                 </a:solidFill>
                 <a:latin typeface="+mn-ea"/>
               </a:rPr>
-              <a:t>Height</a:t>
-            </a:r>
-            <a:r>
-              <a:rPr lang="en-US" altLang="ja-JP" sz="1400" dirty="0" smtClean="0">
-                <a:solidFill>
-                  <a:schemeClr val="tx1"/>
-                </a:solidFill>
-                <a:latin typeface="+mn-ea"/>
-              </a:rPr>
-              <a:t>=</a:t>
-            </a:r>
-            <a:r>
-              <a:rPr lang="en-US" altLang="ja-JP" sz="1400" dirty="0" smtClean="0">
-                <a:solidFill>
-                  <a:schemeClr val="tx1"/>
-                </a:solidFill>
-                <a:latin typeface="+mn-ea"/>
-              </a:rPr>
-              <a:t>45</a:t>
+              <a:t>Height=45</a:t>
             </a:r>
             <a:endParaRPr kumimoji="1" lang="ja-JP" altLang="en-US" sz="1400" dirty="0">
               <a:solidFill>
@@ -18391,25 +18326,7 @@
                 </a:solidFill>
                 <a:latin typeface="+mn-ea"/>
               </a:rPr>
-              <a:t>Height</a:t>
-            </a:r>
-            <a:r>
-              <a:rPr lang="en-US" altLang="ja-JP" sz="1400" dirty="0" smtClean="0">
-                <a:solidFill>
-                  <a:srgbClr val="FF0000"/>
-                </a:solidFill>
-                <a:latin typeface="+mn-ea"/>
-              </a:rPr>
-              <a:t>=</a:t>
-            </a:r>
-            <a:r>
-              <a:rPr lang="en-US" altLang="ja-JP" sz="1400" dirty="0" smtClean="0">
-                <a:solidFill>
-                  <a:srgbClr val="FF0000"/>
-                </a:solidFill>
-                <a:latin typeface="+mn-ea"/>
-              </a:rPr>
-              <a:t>0</a:t>
+              <a:t>Height=0</a:t>
             </a:r>
             <a:endParaRPr kumimoji="1" lang="ja-JP" altLang="en-US" sz="1400" dirty="0">
               <a:solidFill>
@@ -18625,25 +18542,13 @@
               <a:rPr lang="ja-JP" altLang="en-US" dirty="0" smtClean="0">
                 <a:latin typeface="+mj-ea"/>
               </a:rPr>
-              <a:t>ごみ箱</a:t>
-            </a:r>
-            <a:r>
-              <a:rPr lang="ja-JP" altLang="en-US" dirty="0" smtClean="0">
-                <a:latin typeface="+mj-ea"/>
-              </a:rPr>
-              <a:t>（</a:t>
+              <a:t>ごみ箱（</a:t>
             </a:r>
             <a:r>
               <a:rPr lang="en-US" altLang="ja-JP" dirty="0" smtClean="0">
                 <a:latin typeface="+mj-ea"/>
               </a:rPr>
-              <a:t>.</a:t>
-            </a:r>
-            <a:r>
-              <a:rPr lang="en-US" altLang="ja-JP" dirty="0" smtClean="0">
-                <a:latin typeface="+mj-ea"/>
-              </a:rPr>
-              <a:t>Trash</a:t>
+              <a:t>.Trash</a:t>
             </a:r>
             <a:r>
               <a:rPr lang="ja-JP" altLang="en-US" dirty="0" smtClean="0">
@@ -18999,25 +18904,7 @@
                 </a:solidFill>
                 <a:latin typeface="+mn-ea"/>
               </a:rPr>
-              <a:t>Height</a:t>
-            </a:r>
-            <a:r>
-              <a:rPr lang="en-US" altLang="ja-JP" sz="1400" dirty="0" smtClean="0">
-                <a:solidFill>
-                  <a:schemeClr val="tx1"/>
-                </a:solidFill>
-                <a:latin typeface="+mn-ea"/>
-              </a:rPr>
-              <a:t>=</a:t>
-            </a:r>
-            <a:r>
-              <a:rPr lang="en-US" altLang="ja-JP" sz="1400" dirty="0" smtClean="0">
-                <a:solidFill>
-                  <a:schemeClr val="tx1"/>
-                </a:solidFill>
-                <a:latin typeface="+mn-ea"/>
-              </a:rPr>
-              <a:t>45</a:t>
+              <a:t>Height=45</a:t>
             </a:r>
             <a:endParaRPr kumimoji="1" lang="ja-JP" altLang="en-US" sz="1400" dirty="0">
               <a:solidFill>
@@ -19111,25 +18998,7 @@
                 </a:solidFill>
                 <a:latin typeface="+mn-ea"/>
               </a:rPr>
-              <a:t>Height</a:t>
-            </a:r>
-            <a:r>
-              <a:rPr lang="en-US" altLang="ja-JP" sz="1400" dirty="0" smtClean="0">
-                <a:solidFill>
-                  <a:srgbClr val="FF0000"/>
-                </a:solidFill>
-                <a:latin typeface="+mn-ea"/>
-              </a:rPr>
-              <a:t>=</a:t>
-            </a:r>
-            <a:r>
-              <a:rPr lang="en-US" altLang="ja-JP" sz="1400" dirty="0" smtClean="0">
-                <a:solidFill>
-                  <a:srgbClr val="FF0000"/>
-                </a:solidFill>
-                <a:latin typeface="+mn-ea"/>
-              </a:rPr>
-              <a:t>0</a:t>
+              <a:t>Height=0</a:t>
             </a:r>
             <a:endParaRPr kumimoji="1" lang="ja-JP" altLang="en-US" sz="1400" dirty="0">
               <a:solidFill>
@@ -19311,25 +19180,13 @@
               <a:rPr lang="ja-JP" altLang="en-US" dirty="0" smtClean="0">
                 <a:latin typeface="+mj-ea"/>
               </a:rPr>
-              <a:t>検索</a:t>
-            </a:r>
-            <a:r>
-              <a:rPr lang="ja-JP" altLang="en-US" dirty="0" smtClean="0">
-                <a:latin typeface="+mj-ea"/>
-              </a:rPr>
-              <a:t>（</a:t>
+              <a:t>検索（</a:t>
             </a:r>
             <a:r>
               <a:rPr lang="en-US" altLang="ja-JP" dirty="0" smtClean="0">
                 <a:latin typeface="+mj-ea"/>
               </a:rPr>
-              <a:t>.</a:t>
-            </a:r>
-            <a:r>
-              <a:rPr lang="en-US" altLang="ja-JP" dirty="0" smtClean="0">
-                <a:latin typeface="+mj-ea"/>
-              </a:rPr>
-              <a:t>Search</a:t>
+              <a:t>.Search</a:t>
             </a:r>
             <a:r>
               <a:rPr lang="ja-JP" altLang="en-US" dirty="0" smtClean="0">
@@ -19709,16 +19566,7 @@
                 </a:solidFill>
                 <a:latin typeface="+mn-ea"/>
               </a:rPr>
-              <a:t>Height</a:t>
-            </a:r>
-            <a:r>
-              <a:rPr lang="en-US" altLang="ja-JP" sz="1400" dirty="0" smtClean="0">
-                <a:solidFill>
-                  <a:srgbClr val="FF0000"/>
-                </a:solidFill>
-                <a:latin typeface="+mn-ea"/>
-              </a:rPr>
-              <a:t>=</a:t>
+              <a:t>Height=</a:t>
             </a:r>
             <a:r>
               <a:rPr lang="en-US" altLang="ja-JP" sz="1400" dirty="0">
@@ -19917,25 +19765,7 @@
                 </a:solidFill>
                 <a:latin typeface="+mn-ea"/>
               </a:rPr>
-              <a:t>Height</a:t>
-            </a:r>
-            <a:r>
-              <a:rPr lang="en-US" altLang="ja-JP" sz="1400" dirty="0" smtClean="0">
-                <a:solidFill>
-                  <a:schemeClr val="tx1"/>
-                </a:solidFill>
-                <a:latin typeface="+mn-ea"/>
-              </a:rPr>
-              <a:t>=</a:t>
-            </a:r>
-            <a:r>
-              <a:rPr lang="en-US" altLang="ja-JP" sz="1400" dirty="0" smtClean="0">
-                <a:solidFill>
-                  <a:schemeClr val="tx1"/>
-                </a:solidFill>
-                <a:latin typeface="+mn-ea"/>
-              </a:rPr>
-              <a:t>45</a:t>
+              <a:t>Height=45</a:t>
             </a:r>
             <a:endParaRPr kumimoji="1" lang="ja-JP" altLang="en-US" sz="1400" dirty="0">
               <a:solidFill>
@@ -23566,66 +23396,26 @@
       </p:grpSpPr>
       <p:pic>
         <p:nvPicPr>
-          <p:cNvPr id="1031" name="Picture 7"/>
+          <p:cNvPr id="2" name="図 1"/>
           <p:cNvPicPr>
-            <a:picLocks noChangeAspect="1" noChangeArrowheads="1"/>
+            <a:picLocks noChangeAspect="1"/>
           </p:cNvPicPr>
           <p:nvPr/>
         </p:nvPicPr>
         <p:blipFill>
-          <a:blip r:embed="rId2">
-            <a:extLst>
-              <a:ext uri="{28A0092B-C50C-407E-A947-70E740481C1C}">
-                <a14:useLocalDpi xmlns:a14="http://schemas.microsoft.com/office/drawing/2010/main" val="0"/>
-              </a:ext>
-            </a:extLst>
-          </a:blip>
-          <a:srcRect/>
+          <a:blip r:embed="rId2"/>
           <a:stretch>
             <a:fillRect/>
           </a:stretch>
         </p:blipFill>
-        <p:spPr bwMode="auto">
-          <a:xfrm>
-            <a:off x="3132138" y="788333"/>
-            <a:ext cx="2959416" cy="5849315"/>
+        <p:spPr>
+          <a:xfrm>
+            <a:off x="3113737" y="-18282"/>
+            <a:ext cx="2466376" cy="6846005"/>
           </a:xfrm>
           <a:prstGeom prst="rect">
             <a:avLst/>
           </a:prstGeom>
-          <a:noFill/>
-          <a:ln>
-            <a:noFill/>
-          </a:ln>
-          <a:effectLst/>
-          <a:extLst>
-            <a:ext uri="{909E8E84-426E-40dd-AFC4-6F175D3DCCD1}">
-              <a14:hiddenFill xmlns:a14="http://schemas.microsoft.com/office/drawing/2010/main">
-                <a:solidFill>
-                  <a:schemeClr val="accent1"/>
-                </a:solidFill>
-              </a14:hiddenFill>
-            </a:ext>
-            <a:ext uri="{91240B29-F687-4f45-9708-019B960494DF}">
-              <a14:hiddenLine xmlns:a14="http://schemas.microsoft.com/office/drawing/2010/main" w="9525">
-                <a:solidFill>
-                  <a:schemeClr val="tx1"/>
-                </a:solidFill>
-                <a:miter lim="800000"/>
-                <a:headEnd/>
-                <a:tailEnd/>
-              </a14:hiddenLine>
-            </a:ext>
-            <a:ext uri="{AF507438-7753-43e0-B8FC-AC1667EBCBE1}">
-              <a14:hiddenEffects xmlns:a14="http://schemas.microsoft.com/office/drawing/2010/main">
-                <a:effectLst>
-                  <a:outerShdw dist="35921" dir="2700000" algn="ctr" rotWithShape="0">
-                    <a:schemeClr val="bg2"/>
-                  </a:outerShdw>
-                </a:effectLst>
-              </a14:hiddenEffects>
-            </a:ext>
-          </a:extLst>
         </p:spPr>
       </p:pic>
       <p:sp>
@@ -23651,11 +23441,11 @@
           <a:lstStyle/>
           <a:p>
             <a:r>
-              <a:rPr lang="ja-JP" altLang="en-US" sz="2800" dirty="0" smtClean="0">
+              <a:rPr lang="en-US" altLang="en-US" sz="2800" dirty="0" smtClean="0">
                 <a:latin typeface="+mj-ea"/>
                 <a:ea typeface="+mj-ea"/>
               </a:rPr>
-              <a:t>グループ化</a:t>
+              <a:t>ファイルの配置</a:t>
             </a:r>
             <a:endParaRPr kumimoji="1" lang="ja-JP" altLang="en-US" dirty="0">
               <a:latin typeface="+mj-ea"/>
@@ -23672,8 +23462,8 @@
         </p:nvSpPr>
         <p:spPr>
           <a:xfrm>
-            <a:off x="2282974" y="2799927"/>
-            <a:ext cx="705395" cy="1853207"/>
+            <a:off x="2490961" y="1608511"/>
+            <a:ext cx="705395" cy="2036513"/>
           </a:xfrm>
           <a:prstGeom prst="leftBrace">
             <a:avLst>
@@ -23713,7 +23503,7 @@
         </p:nvSpPr>
         <p:spPr>
           <a:xfrm>
-            <a:off x="2282974" y="4797152"/>
+            <a:off x="2524005" y="3933056"/>
             <a:ext cx="676659" cy="1008112"/>
           </a:xfrm>
           <a:prstGeom prst="leftBrace">
@@ -23751,7 +23541,7 @@
         </p:nvSpPr>
         <p:spPr>
           <a:xfrm>
-            <a:off x="2282974" y="6485248"/>
+            <a:off x="2560229" y="5157192"/>
             <a:ext cx="676659" cy="152400"/>
           </a:xfrm>
           <a:prstGeom prst="leftBrace">
@@ -23789,7 +23579,7 @@
         </p:nvSpPr>
         <p:spPr>
           <a:xfrm>
-            <a:off x="923883" y="3501008"/>
+            <a:off x="1187624" y="2492896"/>
             <a:ext cx="1224136" cy="461665"/>
           </a:xfrm>
           <a:prstGeom prst="rect">
@@ -23823,7 +23613,7 @@
         </p:nvSpPr>
         <p:spPr>
           <a:xfrm>
-            <a:off x="396231" y="5134122"/>
+            <a:off x="644749" y="4267763"/>
             <a:ext cx="1915480" cy="461665"/>
           </a:xfrm>
           <a:prstGeom prst="rect">
@@ -23857,7 +23647,7 @@
         </p:nvSpPr>
         <p:spPr>
           <a:xfrm>
-            <a:off x="250825" y="6035691"/>
+            <a:off x="644749" y="4940260"/>
             <a:ext cx="2592834" cy="738664"/>
           </a:xfrm>
           <a:prstGeom prst="rect">
@@ -23911,8 +23701,8 @@
         </p:nvSpPr>
         <p:spPr>
           <a:xfrm rot="10800000">
-            <a:off x="4860033" y="1052736"/>
-            <a:ext cx="720080" cy="1008112"/>
+            <a:off x="4856490" y="271559"/>
+            <a:ext cx="720080" cy="670147"/>
           </a:xfrm>
           <a:prstGeom prst="leftBrace">
             <a:avLst/>
@@ -23949,7 +23739,7 @@
         </p:nvSpPr>
         <p:spPr>
           <a:xfrm rot="10800000">
-            <a:off x="4857937" y="2492896"/>
+            <a:off x="4857937" y="1268760"/>
             <a:ext cx="722176" cy="152400"/>
           </a:xfrm>
           <a:prstGeom prst="leftBrace">
@@ -23987,8 +23777,8 @@
         </p:nvSpPr>
         <p:spPr>
           <a:xfrm rot="10800000">
-            <a:off x="4716017" y="6332472"/>
-            <a:ext cx="720080" cy="152775"/>
+            <a:off x="4716017" y="5877270"/>
+            <a:ext cx="720080" cy="791817"/>
           </a:xfrm>
           <a:prstGeom prst="leftBrace">
             <a:avLst/>
@@ -24025,7 +23815,7 @@
         </p:nvSpPr>
         <p:spPr>
           <a:xfrm>
-            <a:off x="5714635" y="1261218"/>
+            <a:off x="5694243" y="332656"/>
             <a:ext cx="2731463" cy="461665"/>
           </a:xfrm>
           <a:prstGeom prst="rect">
@@ -24061,7 +23851,7 @@
         </p:nvSpPr>
         <p:spPr>
           <a:xfrm>
-            <a:off x="5699287" y="2338263"/>
+            <a:off x="5699287" y="1114127"/>
             <a:ext cx="2731463" cy="461665"/>
           </a:xfrm>
           <a:prstGeom prst="rect">
@@ -24097,8 +23887,8 @@
         </p:nvSpPr>
         <p:spPr>
           <a:xfrm>
-            <a:off x="5694243" y="5963141"/>
-            <a:ext cx="2731463" cy="738664"/>
+            <a:off x="5580113" y="6000061"/>
+            <a:ext cx="2731463" cy="461665"/>
           </a:xfrm>
           <a:prstGeom prst="rect">
             <a:avLst/>
@@ -24119,20 +23909,36 @@
               </a:rPr>
               <a:t>Resources</a:t>
             </a:r>
-          </a:p>
-          <a:p>
-            <a:r>
-              <a:rPr lang="en-US" altLang="ja-JP" dirty="0" smtClean="0">
-                <a:latin typeface="+mn-ea"/>
-              </a:rPr>
-              <a:t>(Images)</a:t>
-            </a:r>
             <a:endParaRPr kumimoji="1" lang="ja-JP" altLang="en-US" dirty="0">
               <a:latin typeface="+mn-ea"/>
             </a:endParaRPr>
           </a:p>
         </p:txBody>
       </p:sp>
+      <p:pic>
+        <p:nvPicPr>
+          <p:cNvPr id="6" name="図 5"/>
+          <p:cNvPicPr>
+            <a:picLocks noChangeAspect="1"/>
+          </p:cNvPicPr>
+          <p:nvPr/>
+        </p:nvPicPr>
+        <p:blipFill>
+          <a:blip r:embed="rId3"/>
+          <a:stretch>
+            <a:fillRect/>
+          </a:stretch>
+        </p:blipFill>
+        <p:spPr>
+          <a:xfrm>
+            <a:off x="6011863" y="3476336"/>
+            <a:ext cx="2891385" cy="2192239"/>
+          </a:xfrm>
+          <a:prstGeom prst="rect">
+            <a:avLst/>
+          </a:prstGeom>
+        </p:spPr>
+      </p:pic>
     </p:spTree>
     <p:extLst>
       <p:ext uri="{BB962C8B-B14F-4D97-AF65-F5344CB8AC3E}">
